--- a/linear-list/2022秋季-数据结构-第3章-线性结构b.pptx
+++ b/linear-list/2022秋季-数据结构-第3章-线性结构b.pptx
@@ -125,7 +125,7 @@
       </a:defRPr>
     </a:lvl9pPr>
   </p:defaultTextStyle>
-  <p:modifyVerifier cryptProviderType="rsaFull" cryptAlgorithmClass="hash" cryptAlgorithmType="typeAny" cryptAlgorithmSid="4" spinCount="100000" saltData="D0+NCDLWltfkKZHCJJCFQA==" hashData="cD1kI71WRUW7ok23zF2gH0at1qE="/>
+  <p:modifyVerifier cryptProviderType="rsaFull" cryptAlgorithmClass="hash" cryptAlgorithmType="typeAny" cryptAlgorithmSid="4" spinCount="100000" saltData="+3/qBSDIsr9iVYE+cVB6mw==" hashData="3q0LMOQuh9MRoCMQ0oYSUWY7/Dw="/>
 </p:presentation>
 </file>
 
@@ -1156,8 +1156,8 @@
                   </a:schemeClr>
                 </a:solidFill>
                 <a:uFillTx/>
-                <a:latin typeface="Arial" panose="020B0604020202020204" pitchFamily="34" charset="0"/>
-                <a:ea typeface="黑体" charset="0"/>
+                <a:latin typeface="Heiti SC Light" panose="02000000000000000000" charset="-122"/>
+                <a:ea typeface="Heiti SC Light" panose="02000000000000000000" charset="-122"/>
               </a:defRPr>
             </a:lvl1pPr>
             <a:lvl2pPr>
@@ -1169,8 +1169,8 @@
                   </a:schemeClr>
                 </a:solidFill>
                 <a:uFillTx/>
-                <a:latin typeface="Arial" panose="020B0604020202020204" pitchFamily="34" charset="0"/>
-                <a:ea typeface="黑体" charset="0"/>
+                <a:latin typeface="Heiti SC Light" panose="02000000000000000000" charset="-122"/>
+                <a:ea typeface="Heiti SC Light" panose="02000000000000000000" charset="-122"/>
               </a:defRPr>
             </a:lvl2pPr>
             <a:lvl3pPr>
@@ -1182,8 +1182,8 @@
                   </a:schemeClr>
                 </a:solidFill>
                 <a:uFillTx/>
-                <a:latin typeface="Arial" panose="020B0604020202020204" pitchFamily="34" charset="0"/>
-                <a:ea typeface="黑体" charset="0"/>
+                <a:latin typeface="Heiti SC Light" panose="02000000000000000000" charset="-122"/>
+                <a:ea typeface="Heiti SC Light" panose="02000000000000000000" charset="-122"/>
               </a:defRPr>
             </a:lvl3pPr>
             <a:lvl4pPr>
@@ -1195,8 +1195,8 @@
                   </a:schemeClr>
                 </a:solidFill>
                 <a:uFillTx/>
-                <a:latin typeface="Arial" panose="020B0604020202020204" pitchFamily="34" charset="0"/>
-                <a:ea typeface="黑体" charset="0"/>
+                <a:latin typeface="Heiti SC Light" panose="02000000000000000000" charset="-122"/>
+                <a:ea typeface="Heiti SC Light" panose="02000000000000000000" charset="-122"/>
               </a:defRPr>
             </a:lvl4pPr>
             <a:lvl5pPr>
@@ -1208,8 +1208,8 @@
                   </a:schemeClr>
                 </a:solidFill>
                 <a:uFillTx/>
-                <a:latin typeface="Arial" panose="020B0604020202020204" pitchFamily="34" charset="0"/>
-                <a:ea typeface="黑体" charset="0"/>
+                <a:latin typeface="Heiti SC Light" panose="02000000000000000000" charset="-122"/>
+                <a:ea typeface="Heiti SC Light" panose="02000000000000000000" charset="-122"/>
               </a:defRPr>
             </a:lvl5pPr>
           </a:lstStyle>
@@ -4460,7 +4460,7 @@
         <p:spPr>
           <a:xfrm>
             <a:off x="882015" y="2350135"/>
-            <a:ext cx="2960370" cy="1938020"/>
+            <a:ext cx="3030220" cy="1938020"/>
           </a:xfrm>
           <a:prstGeom prst="rect">
             <a:avLst/>
@@ -4474,93 +4474,93 @@
           <a:p>
             <a:r>
               <a:rPr lang="zh-CN" altLang="en-US" sz="2400">
-                <a:latin typeface="Arial Regular" panose="020B0604020202020204" charset="0"/>
-                <a:ea typeface="PingFang SC Regular" panose="020B0400000000000000" charset="-122"/>
-                <a:cs typeface="Arial Regular" panose="020B0604020202020204" charset="0"/>
+                <a:latin typeface="Heiti SC Light" panose="02000000000000000000" charset="-122"/>
+                <a:ea typeface="Heiti SC Light" panose="02000000000000000000" charset="-122"/>
+                <a:cs typeface="Heiti SC Light" panose="02000000000000000000" charset="-122"/>
               </a:rPr>
               <a:t>如</a:t>
             </a:r>
             <a:r>
               <a:rPr lang="en-US" altLang="zh-CN" sz="2400">
-                <a:latin typeface="Arial Regular" panose="020B0604020202020204" charset="0"/>
-                <a:ea typeface="PingFang SC Regular" panose="020B0400000000000000" charset="-122"/>
-                <a:cs typeface="Arial Regular" panose="020B0604020202020204" charset="0"/>
+                <a:latin typeface="Heiti SC Light" panose="02000000000000000000" charset="-122"/>
+                <a:ea typeface="Heiti SC Light" panose="02000000000000000000" charset="-122"/>
+                <a:cs typeface="Heiti SC Light" panose="02000000000000000000" charset="-122"/>
               </a:rPr>
               <a:t>Python</a:t>
             </a:r>
             <a:r>
               <a:rPr lang="zh-CN" altLang="en-US" sz="2400">
-                <a:latin typeface="Arial Regular" panose="020B0604020202020204" charset="0"/>
-                <a:ea typeface="PingFang SC Regular" panose="020B0400000000000000" charset="-122"/>
-                <a:cs typeface="Arial Regular" panose="020B0604020202020204" charset="0"/>
+                <a:latin typeface="Heiti SC Light" panose="02000000000000000000" charset="-122"/>
+                <a:ea typeface="Heiti SC Light" panose="02000000000000000000" charset="-122"/>
+                <a:cs typeface="Heiti SC Light" panose="02000000000000000000" charset="-122"/>
               </a:rPr>
               <a:t>中的运算符</a:t>
             </a:r>
             <a:endParaRPr lang="zh-CN" altLang="en-US" sz="2400">
-              <a:latin typeface="Arial Regular" panose="020B0604020202020204" charset="0"/>
-              <a:ea typeface="PingFang SC Regular" panose="020B0400000000000000" charset="-122"/>
-              <a:cs typeface="Arial Regular" panose="020B0604020202020204" charset="0"/>
+              <a:latin typeface="Heiti SC Light" panose="02000000000000000000" charset="-122"/>
+              <a:ea typeface="Heiti SC Light" panose="02000000000000000000" charset="-122"/>
+              <a:cs typeface="Heiti SC Light" panose="02000000000000000000" charset="-122"/>
             </a:endParaRPr>
           </a:p>
           <a:p>
             <a:endParaRPr lang="zh-CN" altLang="en-US" sz="2400">
-              <a:latin typeface="Arial Regular" panose="020B0604020202020204" charset="0"/>
-              <a:ea typeface="PingFang SC Regular" panose="020B0400000000000000" charset="-122"/>
-              <a:cs typeface="Arial Regular" panose="020B0604020202020204" charset="0"/>
+              <a:latin typeface="Heiti SC Light" panose="02000000000000000000" charset="-122"/>
+              <a:ea typeface="Heiti SC Light" panose="02000000000000000000" charset="-122"/>
+              <a:cs typeface="Heiti SC Light" panose="02000000000000000000" charset="-122"/>
             </a:endParaRPr>
           </a:p>
           <a:p>
             <a:r>
               <a:rPr lang="zh-CN" altLang="en-US" sz="2400">
-                <a:latin typeface="Arial Regular" panose="020B0604020202020204" charset="0"/>
-                <a:ea typeface="PingFang SC Regular" panose="020B0400000000000000" charset="-122"/>
-                <a:cs typeface="Arial Regular" panose="020B0604020202020204" charset="0"/>
+                <a:latin typeface="Heiti SC Light" panose="02000000000000000000" charset="-122"/>
+                <a:ea typeface="Heiti SC Light" panose="02000000000000000000" charset="-122"/>
+                <a:cs typeface="Heiti SC Light" panose="02000000000000000000" charset="-122"/>
               </a:rPr>
               <a:t>优先级</a:t>
             </a:r>
             <a:r>
               <a:rPr lang="en-US" altLang="zh-CN" sz="2400">
-                <a:latin typeface="Arial Regular" panose="020B0604020202020204" charset="0"/>
-                <a:ea typeface="PingFang SC Regular" panose="020B0400000000000000" charset="-122"/>
-                <a:cs typeface="Arial Regular" panose="020B0604020202020204" charset="0"/>
+                <a:latin typeface="Heiti SC Light" panose="02000000000000000000" charset="-122"/>
+                <a:ea typeface="Heiti SC Light" panose="02000000000000000000" charset="-122"/>
+                <a:cs typeface="Heiti SC Light" panose="02000000000000000000" charset="-122"/>
               </a:rPr>
               <a:t> &amp; </a:t>
             </a:r>
             <a:r>
               <a:rPr lang="zh-CN" altLang="en-US" sz="2400">
-                <a:latin typeface="Arial Regular" panose="020B0604020202020204" charset="0"/>
-                <a:ea typeface="PingFang SC Regular" panose="020B0400000000000000" charset="-122"/>
-                <a:cs typeface="Arial Regular" panose="020B0604020202020204" charset="0"/>
+                <a:latin typeface="Heiti SC Light" panose="02000000000000000000" charset="-122"/>
+                <a:ea typeface="Heiti SC Light" panose="02000000000000000000" charset="-122"/>
+                <a:cs typeface="Heiti SC Light" panose="02000000000000000000" charset="-122"/>
               </a:rPr>
               <a:t>结合性</a:t>
             </a:r>
             <a:endParaRPr lang="zh-CN" altLang="en-US" sz="2400">
-              <a:latin typeface="Arial Regular" panose="020B0604020202020204" charset="0"/>
-              <a:ea typeface="PingFang SC Regular" panose="020B0400000000000000" charset="-122"/>
-              <a:cs typeface="Arial Regular" panose="020B0604020202020204" charset="0"/>
+              <a:latin typeface="Heiti SC Light" panose="02000000000000000000" charset="-122"/>
+              <a:ea typeface="Heiti SC Light" panose="02000000000000000000" charset="-122"/>
+              <a:cs typeface="Heiti SC Light" panose="02000000000000000000" charset="-122"/>
             </a:endParaRPr>
           </a:p>
           <a:p>
             <a:endParaRPr lang="zh-CN" altLang="en-US" sz="2400">
-              <a:latin typeface="Arial Regular" panose="020B0604020202020204" charset="0"/>
-              <a:ea typeface="PingFang SC Regular" panose="020B0400000000000000" charset="-122"/>
-              <a:cs typeface="Arial Regular" panose="020B0604020202020204" charset="0"/>
+              <a:latin typeface="Heiti SC Light" panose="02000000000000000000" charset="-122"/>
+              <a:ea typeface="Heiti SC Light" panose="02000000000000000000" charset="-122"/>
+              <a:cs typeface="Heiti SC Light" panose="02000000000000000000" charset="-122"/>
             </a:endParaRPr>
           </a:p>
           <a:p>
             <a:r>
               <a:rPr lang="zh-CN" altLang="en-US" sz="2400">
-                <a:latin typeface="Arial Regular" panose="020B0604020202020204" charset="0"/>
-                <a:ea typeface="PingFang SC Regular" panose="020B0400000000000000" charset="-122"/>
-                <a:cs typeface="Arial Regular" panose="020B0604020202020204" charset="0"/>
+                <a:latin typeface="Heiti SC Light" panose="02000000000000000000" charset="-122"/>
+                <a:ea typeface="Heiti SC Light" panose="02000000000000000000" charset="-122"/>
+                <a:cs typeface="Heiti SC Light" panose="02000000000000000000" charset="-122"/>
                 <a:hlinkClick r:id="rId1" action="ppaction://hlinkfile"/>
               </a:rPr>
               <a:t>URL</a:t>
             </a:r>
             <a:endParaRPr lang="zh-CN" altLang="en-US" sz="2400">
-              <a:latin typeface="Arial Regular" panose="020B0604020202020204" charset="0"/>
-              <a:ea typeface="PingFang SC Regular" panose="020B0400000000000000" charset="-122"/>
-              <a:cs typeface="Arial Regular" panose="020B0604020202020204" charset="0"/>
+              <a:latin typeface="Heiti SC Light" panose="02000000000000000000" charset="-122"/>
+              <a:ea typeface="Heiti SC Light" panose="02000000000000000000" charset="-122"/>
+              <a:cs typeface="Heiti SC Light" panose="02000000000000000000" charset="-122"/>
             </a:endParaRPr>
           </a:p>
         </p:txBody>
@@ -11068,21 +11068,18 @@
             </a:pPr>
             <a:r>
               <a:rPr lang="zh-CN" altLang="en-US">
-                <a:latin typeface="黑体" charset="0"/>
-                <a:ea typeface="黑体" charset="0"/>
+                <a:cs typeface="Heiti SC Light" panose="02000000000000000000" charset="-122"/>
               </a:rPr>
               <a:t>后缀表达式求值：</a:t>
             </a:r>
             <a:r>
               <a:rPr lang="en-US" altLang="zh-CN">
-                <a:latin typeface="黑体" charset="0"/>
-                <a:ea typeface="黑体" charset="0"/>
+                <a:cs typeface="Heiti SC Light" panose="02000000000000000000" charset="-122"/>
               </a:rPr>
               <a:t>5 6 2 / + 3 4 * -</a:t>
             </a:r>
             <a:endParaRPr lang="en-US" altLang="zh-CN">
-              <a:latin typeface="黑体" charset="0"/>
-              <a:ea typeface="黑体" charset="0"/>
+              <a:cs typeface="Heiti SC Light" panose="02000000000000000000" charset="-122"/>
             </a:endParaRPr>
           </a:p>
           <a:p>
@@ -11092,14 +11089,12 @@
             </a:pPr>
             <a:r>
               <a:rPr lang="en-US" altLang="zh-CN">
-                <a:latin typeface="黑体" charset="0"/>
-                <a:ea typeface="黑体" charset="0"/>
+                <a:cs typeface="Heiti SC Light" panose="02000000000000000000" charset="-122"/>
               </a:rPr>
               <a:t>没有括号，运算符总是放在和它相关的操作数之后</a:t>
             </a:r>
             <a:endParaRPr lang="en-US" altLang="zh-CN">
-              <a:latin typeface="黑体" charset="0"/>
-              <a:ea typeface="黑体" charset="0"/>
+              <a:cs typeface="Heiti SC Light" panose="02000000000000000000" charset="-122"/>
             </a:endParaRPr>
           </a:p>
           <a:p>
@@ -11109,48 +11104,42 @@
             </a:pPr>
             <a:r>
               <a:rPr lang="zh-CN" altLang="en-US">
-                <a:latin typeface="黑体" charset="0"/>
-                <a:ea typeface="黑体" charset="0"/>
+                <a:cs typeface="Heiti SC Light" panose="02000000000000000000" charset="-122"/>
               </a:rPr>
               <a:t>方法：</a:t>
             </a:r>
             <a:endParaRPr lang="zh-CN" altLang="en-US">
-              <a:latin typeface="黑体" charset="0"/>
-              <a:ea typeface="黑体" charset="0"/>
+              <a:cs typeface="Heiti SC Light" panose="02000000000000000000" charset="-122"/>
             </a:endParaRPr>
           </a:p>
           <a:p>
-            <a:pPr lvl="1">
+            <a:pPr marL="914400" lvl="1" indent="-457200">
               <a:buFont typeface="Wingdings" panose="05000000000000000000" charset="0"/>
-              <a:buChar char=""/>
+              <a:buAutoNum type="arabicPeriod"/>
             </a:pPr>
             <a:r>
               <a:rPr lang="zh-CN" altLang="en-US" sz="2400">
-                <a:latin typeface="黑体" charset="0"/>
-                <a:ea typeface="黑体" charset="0"/>
+                <a:cs typeface="Heiti SC Light" panose="02000000000000000000" charset="-122"/>
               </a:rPr>
               <a:t>如果遇到操作数，则将操作数入栈</a:t>
             </a:r>
             <a:endParaRPr lang="zh-CN" altLang="en-US" sz="2400">
-              <a:latin typeface="黑体" charset="0"/>
-              <a:ea typeface="黑体" charset="0"/>
+              <a:cs typeface="Heiti SC Light" panose="02000000000000000000" charset="-122"/>
             </a:endParaRPr>
           </a:p>
           <a:p>
-            <a:pPr lvl="1">
+            <a:pPr marL="914400" lvl="1" indent="-457200">
               <a:buFont typeface="Wingdings" panose="05000000000000000000" charset="0"/>
-              <a:buChar char=""/>
+              <a:buAutoNum type="arabicPeriod"/>
             </a:pPr>
             <a:r>
               <a:rPr lang="zh-CN" altLang="en-US" sz="2400">
-                <a:latin typeface="黑体" charset="0"/>
-                <a:ea typeface="黑体" charset="0"/>
+                <a:cs typeface="Heiti SC Light" panose="02000000000000000000" charset="-122"/>
               </a:rPr>
               <a:t>如果遇到运算符，从堆栈中弹出相应数量的操作数，并进行计算，将运算得到的新操作数入栈</a:t>
             </a:r>
             <a:endParaRPr lang="zh-CN" altLang="en-US" sz="2400">
-              <a:latin typeface="黑体" charset="0"/>
-              <a:ea typeface="黑体" charset="0"/>
+              <a:cs typeface="Heiti SC Light" panose="02000000000000000000" charset="-122"/>
             </a:endParaRPr>
           </a:p>
         </p:txBody>
@@ -11164,7 +11153,7 @@
         <p:spPr>
           <a:xfrm>
             <a:off x="647700" y="4509135"/>
-            <a:ext cx="3067685" cy="1014730"/>
+            <a:ext cx="4123055" cy="1383665"/>
           </a:xfrm>
           <a:prstGeom prst="rect">
             <a:avLst/>
@@ -11177,69 +11166,71 @@
           </a:bodyPr>
           <a:p>
             <a:r>
-              <a:rPr lang="zh-CN" altLang="en-US" sz="2000" b="1">
+              <a:rPr lang="zh-CN" altLang="en-US" sz="2800">
                 <a:solidFill>
                   <a:srgbClr val="C00000"/>
                 </a:solidFill>
-                <a:latin typeface="黑体" charset="0"/>
-                <a:ea typeface="黑体" charset="0"/>
+                <a:latin typeface="Heiti SC Light" panose="02000000000000000000" charset="-122"/>
+                <a:ea typeface="Heiti SC Light" panose="02000000000000000000" charset="-122"/>
+                <a:cs typeface="Heiti SC Light" panose="02000000000000000000" charset="-122"/>
               </a:rPr>
               <a:t>课堂：</a:t>
             </a:r>
-            <a:endParaRPr lang="zh-CN" altLang="en-US" sz="2000" b="1">
+            <a:endParaRPr lang="zh-CN" altLang="en-US" sz="2800">
               <a:solidFill>
                 <a:srgbClr val="C00000"/>
               </a:solidFill>
-              <a:latin typeface="黑体" charset="0"/>
-              <a:ea typeface="黑体" charset="0"/>
+              <a:latin typeface="Heiti SC Light" panose="02000000000000000000" charset="-122"/>
+              <a:ea typeface="Heiti SC Light" panose="02000000000000000000" charset="-122"/>
+              <a:cs typeface="Heiti SC Light" panose="02000000000000000000" charset="-122"/>
             </a:endParaRPr>
           </a:p>
           <a:p>
             <a:r>
-              <a:rPr lang="en-US" altLang="zh-CN" sz="2000">
-                <a:latin typeface="黑体" charset="0"/>
-                <a:ea typeface="黑体" charset="0"/>
+              <a:rPr lang="en-US" altLang="zh-CN" sz="2800">
+                <a:latin typeface="Heiti SC Light" panose="02000000000000000000" charset="-122"/>
+                <a:ea typeface="Heiti SC Light" panose="02000000000000000000" charset="-122"/>
+                <a:cs typeface="Heiti SC Light" panose="02000000000000000000" charset="-122"/>
               </a:rPr>
               <a:t>1. </a:t>
             </a:r>
             <a:r>
-              <a:rPr lang="zh-CN" altLang="en-US" sz="2000">
-                <a:latin typeface="黑体" charset="0"/>
-                <a:ea typeface="黑体" charset="0"/>
-              </a:rPr>
-              <a:t>结合实例展示运行</a:t>
-            </a:r>
-            <a:r>
-              <a:rPr lang="zh-CN" altLang="en-US" sz="2000">
-                <a:latin typeface="黑体" charset="0"/>
-                <a:ea typeface="黑体" charset="0"/>
-              </a:rPr>
-              <a:t>步骤</a:t>
-            </a:r>
-            <a:endParaRPr lang="zh-CN" altLang="en-US" sz="2000">
-              <a:latin typeface="黑体" charset="0"/>
-              <a:ea typeface="黑体" charset="0"/>
+              <a:rPr lang="zh-CN" altLang="en-US" sz="2800">
+                <a:latin typeface="Heiti SC Light" panose="02000000000000000000" charset="-122"/>
+                <a:ea typeface="Heiti SC Light" panose="02000000000000000000" charset="-122"/>
+                <a:cs typeface="Heiti SC Light" panose="02000000000000000000" charset="-122"/>
+              </a:rPr>
+              <a:t>结合实例展示运行步骤</a:t>
+            </a:r>
+            <a:endParaRPr lang="zh-CN" altLang="en-US" sz="2800">
+              <a:latin typeface="Heiti SC Light" panose="02000000000000000000" charset="-122"/>
+              <a:ea typeface="Heiti SC Light" panose="02000000000000000000" charset="-122"/>
+              <a:cs typeface="Heiti SC Light" panose="02000000000000000000" charset="-122"/>
             </a:endParaRPr>
           </a:p>
           <a:p>
             <a:r>
-              <a:rPr lang="en-US" altLang="zh-CN" sz="2000">
-                <a:latin typeface="黑体" charset="0"/>
-                <a:ea typeface="黑体" charset="0"/>
+              <a:rPr lang="en-US" altLang="zh-CN" sz="2800">
+                <a:latin typeface="Heiti SC Light" panose="02000000000000000000" charset="-122"/>
+                <a:ea typeface="Heiti SC Light" panose="02000000000000000000" charset="-122"/>
+                <a:cs typeface="Heiti SC Light" panose="02000000000000000000" charset="-122"/>
               </a:rPr>
               <a:t>2. </a:t>
             </a:r>
             <a:r>
-              <a:rPr lang="en-US" altLang="zh-CN" sz="2000">
-                <a:latin typeface="黑体" charset="0"/>
-                <a:ea typeface="黑体" charset="0"/>
+              <a:rPr lang="en-US" altLang="zh-CN" sz="2800">
+                <a:latin typeface="Heiti SC Light" panose="02000000000000000000" charset="-122"/>
+                <a:ea typeface="Heiti SC Light" panose="02000000000000000000" charset="-122"/>
+                <a:cs typeface="Heiti SC Light" panose="02000000000000000000" charset="-122"/>
                 <a:hlinkClick r:id="rId1" action="ppaction://hlinkfile"/>
               </a:rPr>
               <a:t>URL</a:t>
             </a:r>
-            <a:endParaRPr lang="en-US" altLang="zh-CN" sz="2000">
-              <a:latin typeface="黑体" charset="0"/>
-              <a:ea typeface="黑体" charset="0"/>
+            <a:endParaRPr lang="en-US" altLang="zh-CN" sz="2800">
+              <a:latin typeface="Heiti SC Light" panose="02000000000000000000" charset="-122"/>
+              <a:ea typeface="Heiti SC Light" panose="02000000000000000000" charset="-122"/>
+              <a:cs typeface="Heiti SC Light" panose="02000000000000000000" charset="-122"/>
+              <a:hlinkClick r:id="rId1" action="ppaction://hlinkfile"/>
             </a:endParaRPr>
           </a:p>
         </p:txBody>
@@ -11321,7 +11312,7 @@
                   </a:schemeClr>
                 </a:solidFill>
                 <a:uFillTx/>
-                <a:ea typeface="黑体" charset="0"/>
+                <a:cs typeface="Heiti SC Light" panose="02000000000000000000" charset="-122"/>
                 <a:sym typeface="+mn-ea"/>
               </a:rPr>
               <a:t>“堆栈（Stack）”可以认为是具有一定操作约束的线性表，插入和删除操作都作用在一个称为栈顶（Top）的端点位置</a:t>
@@ -11334,7 +11325,7 @@
                 </a:schemeClr>
               </a:solidFill>
               <a:uFillTx/>
-              <a:ea typeface="黑体" charset="0"/>
+              <a:cs typeface="Heiti SC Light" panose="02000000000000000000" charset="-122"/>
               <a:sym typeface="+mn-ea"/>
             </a:endParaRPr>
           </a:p>
@@ -11345,104 +11336,49 @@
               <a:buFont typeface="Wingdings" panose="05000000000000000000" charset="0"/>
               <a:buChar char=""/>
             </a:pPr>
+            <a:r>
+              <a:rPr lang="zh-CN" altLang="en-US">
+                <a:cs typeface="Heiti SC Light" panose="02000000000000000000" charset="-122"/>
+                <a:sym typeface="+mn-ea"/>
+              </a:rPr>
+              <a:t>堆栈的抽象数据</a:t>
+            </a:r>
+            <a:r>
+              <a:rPr lang="zh-CN" altLang="en-US">
+                <a:cs typeface="Heiti SC Light" panose="02000000000000000000" charset="-122"/>
+                <a:sym typeface="+mn-ea"/>
+              </a:rPr>
+              <a:t>类型</a:t>
+            </a:r>
             <a:endParaRPr lang="zh-CN" altLang="en-US">
-              <a:solidFill>
-                <a:schemeClr val="tx1">
-                  <a:lumMod val="75000"/>
-                  <a:lumOff val="25000"/>
-                </a:schemeClr>
-              </a:solidFill>
-              <a:uFillTx/>
-              <a:ea typeface="黑体" charset="0"/>
+              <a:cs typeface="Heiti SC Light" panose="02000000000000000000" charset="-122"/>
               <a:sym typeface="+mn-ea"/>
             </a:endParaRPr>
           </a:p>
-        </p:txBody>
-      </p:sp>
-      <p:sp>
-        <p:nvSpPr>
-          <p:cNvPr id="4" name="文本框 3"/>
-          <p:cNvSpPr txBox="1"/>
-          <p:nvPr/>
-        </p:nvSpPr>
-        <p:spPr>
-          <a:xfrm>
-            <a:off x="647700" y="3448050"/>
-            <a:ext cx="4500880" cy="1014730"/>
-          </a:xfrm>
-          <a:prstGeom prst="rect">
-            <a:avLst/>
-          </a:prstGeom>
-          <a:noFill/>
-        </p:spPr>
-        <p:txBody>
-          <a:bodyPr wrap="none" rtlCol="0">
-            <a:spAutoFit/>
-          </a:bodyPr>
-          <a:p>
-            <a:r>
-              <a:rPr lang="zh-CN" altLang="en-US" sz="2000" b="1">
-                <a:solidFill>
-                  <a:srgbClr val="C00000"/>
-                </a:solidFill>
-                <a:latin typeface="黑体" charset="0"/>
-                <a:ea typeface="黑体" charset="0"/>
-              </a:rPr>
-              <a:t>课堂：</a:t>
-            </a:r>
-            <a:endParaRPr lang="zh-CN" altLang="en-US" sz="2000" b="1">
-              <a:solidFill>
-                <a:srgbClr val="C00000"/>
-              </a:solidFill>
-              <a:latin typeface="黑体" charset="0"/>
-              <a:ea typeface="黑体" charset="0"/>
-            </a:endParaRPr>
-          </a:p>
-          <a:p>
-            <a:r>
-              <a:rPr lang="zh-CN" altLang="en-US" sz="2000">
-                <a:latin typeface="黑体" charset="0"/>
-                <a:ea typeface="黑体" charset="0"/>
-              </a:rPr>
-              <a:t>结合教材依次讲解堆栈的抽象数据</a:t>
-            </a:r>
-            <a:r>
-              <a:rPr lang="zh-CN" altLang="en-US" sz="2000">
-                <a:latin typeface="黑体" charset="0"/>
-                <a:ea typeface="黑体" charset="0"/>
-              </a:rPr>
-              <a:t>类型</a:t>
-            </a:r>
-            <a:endParaRPr lang="zh-CN" altLang="en-US" sz="2000">
-              <a:latin typeface="黑体" charset="0"/>
-              <a:ea typeface="黑体" charset="0"/>
-            </a:endParaRPr>
-          </a:p>
-          <a:p>
-            <a:r>
-              <a:rPr lang="zh-CN" altLang="en-US" sz="2000">
-                <a:latin typeface="黑体" charset="0"/>
-                <a:ea typeface="黑体" charset="0"/>
-              </a:rPr>
-              <a:t>（注意结合教材图</a:t>
-            </a:r>
-            <a:r>
-              <a:rPr lang="en-US" altLang="zh-CN" sz="2000">
-                <a:latin typeface="黑体" charset="0"/>
-                <a:ea typeface="黑体" charset="0"/>
+          <a:p>
+            <a:pPr lvl="0" algn="l">
+              <a:buClrTx/>
+              <a:buSzTx/>
+              <a:buFont typeface="Wingdings" panose="05000000000000000000" charset="0"/>
+              <a:buChar char=""/>
+            </a:pPr>
+            <a:r>
+              <a:rPr lang="zh-CN" altLang="en-US">
+                <a:cs typeface="Heiti SC Light" panose="02000000000000000000" charset="-122"/>
+                <a:sym typeface="+mn-ea"/>
+              </a:rPr>
+              <a:t>教材：图</a:t>
+            </a:r>
+            <a:r>
+              <a:rPr lang="en-US" altLang="zh-CN">
+                <a:cs typeface="Heiti SC Light" panose="02000000000000000000" charset="-122"/>
+                <a:sym typeface="+mn-ea"/>
               </a:rPr>
               <a:t>3.11</a:t>
             </a:r>
-            <a:r>
-              <a:rPr lang="zh-CN" altLang="en-US" sz="2000">
-                <a:latin typeface="黑体" charset="0"/>
-                <a:ea typeface="黑体" charset="0"/>
-              </a:rPr>
-              <a:t>）</a:t>
-            </a:r>
-            <a:endParaRPr lang="zh-CN" altLang="en-US" sz="2000">
-              <a:latin typeface="黑体" charset="0"/>
-              <a:ea typeface="黑体" charset="0"/>
+            <a:endParaRPr lang="en-US" altLang="zh-CN">
+              <a:cs typeface="Heiti SC Light" panose="02000000000000000000" charset="-122"/>
+              <a:sym typeface="+mn-ea"/>
             </a:endParaRPr>
           </a:p>
         </p:txBody>
@@ -11573,20 +11509,16 @@
           </a:p>
           <a:p>
             <a:r>
-              <a:rPr lang="zh-CN" altLang="en-US"/>
-              <a:t>注：</a:t>
-            </a:r>
-            <a:r>
               <a:rPr lang="zh-CN" altLang="en-US">
                 <a:sym typeface="+mn-ea"/>
               </a:rPr>
-              <a:t>栈的链式存储实现（带头节点的单链</a:t>
+              <a:t>栈的链式存储实现：带头节点的单链</a:t>
             </a:r>
             <a:r>
               <a:rPr lang="zh-CN" altLang="en-US">
                 <a:sym typeface="+mn-ea"/>
               </a:rPr>
-              <a:t>表）</a:t>
+              <a:t>表</a:t>
             </a:r>
             <a:endParaRPr lang="zh-CN" altLang="en-US"/>
           </a:p>
@@ -11603,7 +11535,7 @@
         </p:nvSpPr>
         <p:spPr>
           <a:xfrm>
-            <a:off x="8785860" y="2416175"/>
+            <a:off x="9310370" y="182880"/>
             <a:ext cx="2377440" cy="1476375"/>
           </a:xfrm>
           <a:prstGeom prst="rect">
@@ -11696,7 +11628,7 @@
         <p:spPr>
           <a:xfrm>
             <a:off x="647700" y="3892550"/>
-            <a:ext cx="10515600" cy="2030095"/>
+            <a:ext cx="10515600" cy="2584450"/>
           </a:xfrm>
           <a:prstGeom prst="rect">
             <a:avLst/>
@@ -11805,6 +11737,36 @@
               <a:cs typeface="Courier New Regular" panose="02070309020205020404" charset="0"/>
             </a:endParaRPr>
           </a:p>
+          <a:p>
+            <a:pPr algn="l"/>
+            <a:r>
+              <a:rPr lang="zh-CN" altLang="en-US">
+                <a:latin typeface="Courier New Regular" panose="02070309020205020404" charset="0"/>
+                <a:cs typeface="Courier New Regular" panose="02070309020205020404" charset="0"/>
+                <a:sym typeface="+mn-ea"/>
+              </a:rPr>
+              <a:t>bool isFull(struct Stack *s) { return s-&gt;top == s-&gt;MaxSize - 1; }</a:t>
+            </a:r>
+            <a:endParaRPr lang="zh-CN" altLang="en-US">
+              <a:latin typeface="Courier New Regular" panose="02070309020205020404" charset="0"/>
+              <a:cs typeface="Courier New Regular" panose="02070309020205020404" charset="0"/>
+            </a:endParaRPr>
+          </a:p>
+          <a:p>
+            <a:pPr algn="l"/>
+            <a:r>
+              <a:rPr lang="zh-CN" altLang="en-US">
+                <a:latin typeface="Courier New Regular" panose="02070309020205020404" charset="0"/>
+                <a:cs typeface="Courier New Regular" panose="02070309020205020404" charset="0"/>
+                <a:sym typeface="+mn-ea"/>
+              </a:rPr>
+              <a:t>bool isEmpty(struct Stack *s) { return (s-&gt;top == -1); }</a:t>
+            </a:r>
+            <a:endParaRPr lang="zh-CN" altLang="en-US">
+              <a:latin typeface="Courier New Regular" panose="02070309020205020404" charset="0"/>
+              <a:cs typeface="Courier New Regular" panose="02070309020205020404" charset="0"/>
+            </a:endParaRPr>
+          </a:p>
         </p:txBody>
       </p:sp>
       <p:sp>
@@ -11816,7 +11778,7 @@
         <p:spPr>
           <a:xfrm>
             <a:off x="647700" y="6004560"/>
-            <a:ext cx="10515600" cy="645160"/>
+            <a:ext cx="10515600" cy="368300"/>
           </a:xfrm>
           <a:prstGeom prst="rect">
             <a:avLst/>
@@ -11829,27 +11791,6 @@
           </a:bodyPr>
           <a:p>
             <a:pPr algn="l"/>
-            <a:r>
-              <a:rPr lang="zh-CN" altLang="en-US">
-                <a:latin typeface="Courier New Regular" panose="02070309020205020404" charset="0"/>
-                <a:cs typeface="Courier New Regular" panose="02070309020205020404" charset="0"/>
-              </a:rPr>
-              <a:t>bool isFull(struct Stack *s) { return s-&gt;top == s-&gt;MaxSize - 1; }</a:t>
-            </a:r>
-            <a:endParaRPr lang="zh-CN" altLang="en-US">
-              <a:latin typeface="Courier New Regular" panose="02070309020205020404" charset="0"/>
-              <a:cs typeface="Courier New Regular" panose="02070309020205020404" charset="0"/>
-            </a:endParaRPr>
-          </a:p>
-          <a:p>
-            <a:pPr algn="l"/>
-            <a:r>
-              <a:rPr lang="zh-CN" altLang="en-US">
-                <a:latin typeface="Courier New Regular" panose="02070309020205020404" charset="0"/>
-                <a:cs typeface="Courier New Regular" panose="02070309020205020404" charset="0"/>
-              </a:rPr>
-              <a:t>bool isEmpty(struct Stack *s) { return (s-&gt;top == -1); }</a:t>
-            </a:r>
             <a:endParaRPr lang="zh-CN" altLang="en-US">
               <a:latin typeface="Courier New Regular" panose="02070309020205020404" charset="0"/>
               <a:cs typeface="Courier New Regular" panose="02070309020205020404" charset="0"/>
@@ -12340,9 +12281,9 @@
             <a:endParaRPr lang="zh-CN" altLang="en-US"/>
           </a:p>
           <a:p>
-            <a:pPr lvl="1">
+            <a:pPr marL="914400" lvl="1" indent="-457200">
               <a:buFont typeface="Wingdings" panose="05000000000000000000" charset="0"/>
-              <a:buChar char=""/>
+              <a:buAutoNum type="arabicPeriod"/>
             </a:pPr>
             <a:r>
               <a:rPr lang="zh-CN" altLang="en-US"/>
@@ -12357,9 +12298,9 @@
             <a:endParaRPr lang="en-US" altLang="zh-CN"/>
           </a:p>
           <a:p>
-            <a:pPr lvl="1">
+            <a:pPr marL="914400" lvl="1" indent="-457200">
               <a:buFont typeface="Wingdings" panose="05000000000000000000" charset="0"/>
-              <a:buChar char=""/>
+              <a:buAutoNum type="arabicPeriod"/>
             </a:pPr>
             <a:r>
               <a:rPr lang="zh-CN" altLang="en-US"/>
@@ -12400,9 +12341,9 @@
             <a:endParaRPr lang="zh-CN" altLang="en-US"/>
           </a:p>
           <a:p>
-            <a:pPr lvl="1">
+            <a:pPr marL="914400" lvl="1" indent="-457200">
               <a:buFont typeface="Wingdings" panose="05000000000000000000" charset="0"/>
-              <a:buChar char=""/>
+              <a:buAutoNum type="arabicPeriod"/>
             </a:pPr>
             <a:r>
               <a:rPr lang="zh-CN" altLang="en-US"/>
@@ -12425,7 +12366,7 @@
         <p:spPr>
           <a:xfrm>
             <a:off x="6044565" y="4999355"/>
-            <a:ext cx="2938145" cy="706755"/>
+            <a:ext cx="5118735" cy="1076325"/>
           </a:xfrm>
           <a:prstGeom prst="rect">
             <a:avLst/>
@@ -12438,41 +12379,34 @@
           </a:bodyPr>
           <a:p>
             <a:r>
-              <a:rPr lang="zh-CN" altLang="en-US" sz="2000" b="1">
+              <a:rPr lang="zh-CN" altLang="en-US" sz="3200">
                 <a:solidFill>
                   <a:srgbClr val="C00000"/>
                 </a:solidFill>
-                <a:latin typeface="黑体" charset="0"/>
-                <a:ea typeface="黑体" charset="0"/>
+                <a:latin typeface="Heiti SC Light" panose="02000000000000000000" charset="-122"/>
+                <a:ea typeface="Heiti SC Light" panose="02000000000000000000" charset="-122"/>
               </a:rPr>
               <a:t>课堂提问：</a:t>
             </a:r>
-            <a:endParaRPr lang="zh-CN" altLang="en-US" sz="2000" b="1">
+            <a:endParaRPr lang="zh-CN" altLang="en-US" sz="3200">
               <a:solidFill>
                 <a:srgbClr val="C00000"/>
               </a:solidFill>
-              <a:latin typeface="黑体" charset="0"/>
-              <a:ea typeface="黑体" charset="0"/>
+              <a:latin typeface="Heiti SC Light" panose="02000000000000000000" charset="-122"/>
+              <a:ea typeface="Heiti SC Light" panose="02000000000000000000" charset="-122"/>
             </a:endParaRPr>
           </a:p>
           <a:p>
             <a:r>
-              <a:rPr lang="zh-CN" altLang="en-US" sz="2000">
-                <a:latin typeface="黑体" charset="0"/>
-                <a:ea typeface="黑体" charset="0"/>
-              </a:rPr>
-              <a:t>堆栈满的形式；</a:t>
-            </a:r>
-            <a:r>
-              <a:rPr lang="zh-CN" altLang="en-US" sz="2000">
-                <a:latin typeface="黑体" charset="0"/>
-                <a:ea typeface="黑体" charset="0"/>
-              </a:rPr>
-              <a:t>为什么</a:t>
-            </a:r>
-            <a:endParaRPr lang="zh-CN" altLang="en-US" sz="2000">
-              <a:latin typeface="黑体" charset="0"/>
-              <a:ea typeface="黑体" charset="0"/>
+              <a:rPr lang="zh-CN" altLang="en-US" sz="3200">
+                <a:latin typeface="Heiti SC Light" panose="02000000000000000000" charset="-122"/>
+                <a:ea typeface="Heiti SC Light" panose="02000000000000000000" charset="-122"/>
+              </a:rPr>
+              <a:t>堆栈满的形式；为什么？</a:t>
+            </a:r>
+            <a:endParaRPr lang="zh-CN" altLang="en-US" sz="3200">
+              <a:latin typeface="Heiti SC Light" panose="02000000000000000000" charset="-122"/>
+              <a:ea typeface="Heiti SC Light" panose="02000000000000000000" charset="-122"/>
             </a:endParaRPr>
           </a:p>
         </p:txBody>
@@ -12573,7 +12507,7 @@
                   </a:schemeClr>
                 </a:solidFill>
                 <a:uFillTx/>
-                <a:ea typeface="黑体" charset="0"/>
+                <a:cs typeface="Heiti SC Light" panose="02000000000000000000" charset="-122"/>
                 <a:sym typeface="+mn-ea"/>
               </a:rPr>
               <a:t>给定一个只包括 '('，')'，'{'，'}'，'['，']' 的字符串 s ，判断字符串是否有效。</a:t>
@@ -12586,7 +12520,7 @@
                 </a:schemeClr>
               </a:solidFill>
               <a:uFillTx/>
-              <a:ea typeface="黑体" charset="0"/>
+              <a:cs typeface="Heiti SC Light" panose="02000000000000000000" charset="-122"/>
               <a:sym typeface="+mn-ea"/>
             </a:endParaRPr>
           </a:p>
@@ -12605,7 +12539,7 @@
                 </a:schemeClr>
               </a:solidFill>
               <a:uFillTx/>
-              <a:ea typeface="黑体" charset="0"/>
+              <a:cs typeface="Heiti SC Light" panose="02000000000000000000" charset="-122"/>
               <a:sym typeface="+mn-ea"/>
             </a:endParaRPr>
           </a:p>
@@ -12625,7 +12559,7 @@
                   </a:schemeClr>
                 </a:solidFill>
                 <a:uFillTx/>
-                <a:ea typeface="黑体" charset="0"/>
+                <a:cs typeface="Heiti SC Light" panose="02000000000000000000" charset="-122"/>
                 <a:sym typeface="+mn-ea"/>
               </a:rPr>
               <a:t>有效字符串需满足：</a:t>
@@ -12638,16 +12572,16 @@
                 </a:schemeClr>
               </a:solidFill>
               <a:uFillTx/>
-              <a:ea typeface="黑体" charset="0"/>
+              <a:cs typeface="Heiti SC Light" panose="02000000000000000000" charset="-122"/>
               <a:sym typeface="+mn-ea"/>
             </a:endParaRPr>
           </a:p>
           <a:p>
-            <a:pPr lvl="1" algn="l">
+            <a:pPr marL="914400" lvl="1" indent="-457200" algn="l">
               <a:buClrTx/>
               <a:buSzTx/>
               <a:buFont typeface="Wingdings" panose="05000000000000000000" charset="0"/>
-              <a:buChar char=""/>
+              <a:buAutoNum type="arabicPeriod"/>
             </a:pPr>
             <a:r>
               <a:rPr lang="zh-CN" altLang="en-US">
@@ -12658,7 +12592,7 @@
                   </a:schemeClr>
                 </a:solidFill>
                 <a:uFillTx/>
-                <a:ea typeface="黑体" charset="0"/>
+                <a:cs typeface="Heiti SC Light" panose="02000000000000000000" charset="-122"/>
                 <a:sym typeface="+mn-ea"/>
               </a:rPr>
               <a:t>左括号必须用相同类型的右括号闭合。</a:t>
@@ -12671,16 +12605,16 @@
                 </a:schemeClr>
               </a:solidFill>
               <a:uFillTx/>
-              <a:ea typeface="黑体" charset="0"/>
+              <a:cs typeface="Heiti SC Light" panose="02000000000000000000" charset="-122"/>
               <a:sym typeface="+mn-ea"/>
             </a:endParaRPr>
           </a:p>
           <a:p>
-            <a:pPr lvl="1" algn="l">
+            <a:pPr marL="914400" lvl="1" indent="-457200" algn="l">
               <a:buClrTx/>
               <a:buSzTx/>
               <a:buFont typeface="Wingdings" panose="05000000000000000000" charset="0"/>
-              <a:buChar char=""/>
+              <a:buAutoNum type="arabicPeriod"/>
             </a:pPr>
             <a:r>
               <a:rPr lang="zh-CN" altLang="en-US">
@@ -12691,7 +12625,7 @@
                   </a:schemeClr>
                 </a:solidFill>
                 <a:uFillTx/>
-                <a:ea typeface="黑体" charset="0"/>
+                <a:cs typeface="Heiti SC Light" panose="02000000000000000000" charset="-122"/>
                 <a:sym typeface="+mn-ea"/>
               </a:rPr>
               <a:t>左括号必须以正确的顺序闭合。</a:t>
@@ -12704,16 +12638,16 @@
                 </a:schemeClr>
               </a:solidFill>
               <a:uFillTx/>
-              <a:ea typeface="黑体" charset="0"/>
+              <a:cs typeface="Heiti SC Light" panose="02000000000000000000" charset="-122"/>
               <a:sym typeface="+mn-ea"/>
             </a:endParaRPr>
           </a:p>
           <a:p>
-            <a:pPr lvl="1" algn="l">
+            <a:pPr marL="914400" lvl="1" indent="-457200" algn="l">
               <a:buClrTx/>
               <a:buSzTx/>
               <a:buFont typeface="Wingdings" panose="05000000000000000000" charset="0"/>
-              <a:buChar char=""/>
+              <a:buAutoNum type="arabicPeriod"/>
             </a:pPr>
             <a:r>
               <a:rPr lang="zh-CN" altLang="en-US">
@@ -12724,7 +12658,7 @@
                   </a:schemeClr>
                 </a:solidFill>
                 <a:uFillTx/>
-                <a:ea typeface="黑体" charset="0"/>
+                <a:cs typeface="Heiti SC Light" panose="02000000000000000000" charset="-122"/>
                 <a:sym typeface="+mn-ea"/>
               </a:rPr>
               <a:t>每个右括号都有一个对应的相同类型的左括号。</a:t>
@@ -12737,45 +12671,7 @@
                 </a:schemeClr>
               </a:solidFill>
               <a:uFillTx/>
-              <a:ea typeface="黑体" charset="0"/>
-              <a:sym typeface="+mn-ea"/>
-            </a:endParaRPr>
-          </a:p>
-          <a:p>
-            <a:pPr lvl="0" algn="l">
-              <a:buClrTx/>
-              <a:buSzTx/>
-              <a:buFont typeface="Wingdings" panose="05000000000000000000" charset="0"/>
-              <a:buChar char=""/>
-            </a:pPr>
-            <a:endParaRPr lang="zh-CN" altLang="en-US">
-              <a:solidFill>
-                <a:schemeClr val="tx1">
-                  <a:lumMod val="75000"/>
-                  <a:lumOff val="25000"/>
-                </a:schemeClr>
-              </a:solidFill>
-              <a:uFillTx/>
-              <a:ea typeface="黑体" charset="0"/>
-              <a:sym typeface="+mn-ea"/>
-            </a:endParaRPr>
-          </a:p>
-          <a:p>
-            <a:pPr marL="0" lvl="0" indent="0" algn="l">
-              <a:buClrTx/>
-              <a:buSzTx/>
-              <a:buFont typeface="Wingdings" panose="05000000000000000000" charset="0"/>
-              <a:buNone/>
-            </a:pPr>
-            <a:endParaRPr lang="zh-CN" altLang="en-US">
-              <a:solidFill>
-                <a:schemeClr val="tx1">
-                  <a:lumMod val="75000"/>
-                  <a:lumOff val="25000"/>
-                </a:schemeClr>
-              </a:solidFill>
-              <a:uFillTx/>
-              <a:ea typeface="黑体" charset="0"/>
+              <a:cs typeface="Heiti SC Light" panose="02000000000000000000" charset="-122"/>
               <a:sym typeface="+mn-ea"/>
             </a:endParaRPr>
           </a:p>
@@ -12790,7 +12686,7 @@
         <p:spPr>
           <a:xfrm>
             <a:off x="8491855" y="2536825"/>
-            <a:ext cx="2424430" cy="3969385"/>
+            <a:ext cx="2424430" cy="3415030"/>
           </a:xfrm>
           <a:prstGeom prst="rect">
             <a:avLst/>
@@ -12804,277 +12700,235 @@
           <a:p>
             <a:pPr algn="l"/>
             <a:r>
-              <a:rPr lang="zh-CN" altLang="en-US">
+              <a:rPr lang="zh-CN" altLang="en-US" sz="2400">
                 <a:solidFill>
                   <a:schemeClr val="tx1"/>
                 </a:solidFill>
                 <a:uFillTx/>
-                <a:latin typeface="Arial" panose="020B0604020202020204" pitchFamily="34" charset="0"/>
-                <a:ea typeface="黑体" charset="0"/>
-                <a:cs typeface="黑体" charset="0"/>
+                <a:latin typeface="Heiti SC Light" panose="02000000000000000000" charset="-122"/>
+                <a:ea typeface="Heiti SC Light" panose="02000000000000000000" charset="-122"/>
+                <a:cs typeface="Heiti SC Light" panose="02000000000000000000" charset="-122"/>
               </a:rPr>
               <a:t>示例 1：</a:t>
             </a:r>
-            <a:endParaRPr lang="zh-CN" altLang="en-US">
+            <a:endParaRPr lang="zh-CN" altLang="en-US" sz="2400">
               <a:solidFill>
                 <a:schemeClr val="tx1"/>
               </a:solidFill>
               <a:uFillTx/>
-              <a:latin typeface="Arial" panose="020B0604020202020204" pitchFamily="34" charset="0"/>
-              <a:ea typeface="黑体" charset="0"/>
-              <a:cs typeface="黑体" charset="0"/>
+              <a:latin typeface="Heiti SC Light" panose="02000000000000000000" charset="-122"/>
+              <a:ea typeface="Heiti SC Light" panose="02000000000000000000" charset="-122"/>
+              <a:cs typeface="Heiti SC Light" panose="02000000000000000000" charset="-122"/>
             </a:endParaRPr>
           </a:p>
           <a:p>
             <a:pPr algn="l"/>
-            <a:endParaRPr lang="zh-CN" altLang="en-US">
+            <a:r>
+              <a:rPr lang="zh-CN" altLang="en-US" sz="2400">
+                <a:solidFill>
+                  <a:schemeClr val="tx1"/>
+                </a:solidFill>
+                <a:uFillTx/>
+                <a:latin typeface="Heiti SC Light" panose="02000000000000000000" charset="-122"/>
+                <a:ea typeface="Heiti SC Light" panose="02000000000000000000" charset="-122"/>
+                <a:cs typeface="Heiti SC Light" panose="02000000000000000000" charset="-122"/>
+              </a:rPr>
+              <a:t>输入：s = "()"</a:t>
+            </a:r>
+            <a:endParaRPr lang="zh-CN" altLang="en-US" sz="2400">
               <a:solidFill>
                 <a:schemeClr val="tx1"/>
               </a:solidFill>
               <a:uFillTx/>
-              <a:latin typeface="Arial" panose="020B0604020202020204" pitchFamily="34" charset="0"/>
-              <a:ea typeface="黑体" charset="0"/>
-              <a:cs typeface="黑体" charset="0"/>
+              <a:latin typeface="Heiti SC Light" panose="02000000000000000000" charset="-122"/>
+              <a:ea typeface="Heiti SC Light" panose="02000000000000000000" charset="-122"/>
+              <a:cs typeface="Heiti SC Light" panose="02000000000000000000" charset="-122"/>
             </a:endParaRPr>
           </a:p>
           <a:p>
             <a:pPr algn="l"/>
             <a:r>
-              <a:rPr lang="zh-CN" altLang="en-US">
+              <a:rPr lang="zh-CN" altLang="en-US" sz="2400">
                 <a:solidFill>
                   <a:schemeClr val="tx1"/>
                 </a:solidFill>
                 <a:uFillTx/>
-                <a:latin typeface="Arial" panose="020B0604020202020204" pitchFamily="34" charset="0"/>
-                <a:ea typeface="黑体" charset="0"/>
-                <a:cs typeface="黑体" charset="0"/>
-              </a:rPr>
-              <a:t>输入：s = "()"</a:t>
-            </a:r>
-            <a:endParaRPr lang="zh-CN" altLang="en-US">
+                <a:latin typeface="Heiti SC Light" panose="02000000000000000000" charset="-122"/>
+                <a:ea typeface="Heiti SC Light" panose="02000000000000000000" charset="-122"/>
+                <a:cs typeface="Heiti SC Light" panose="02000000000000000000" charset="-122"/>
+              </a:rPr>
+              <a:t>输出：true</a:t>
+            </a:r>
+            <a:endParaRPr lang="zh-CN" altLang="en-US" sz="2400">
               <a:solidFill>
                 <a:schemeClr val="tx1"/>
               </a:solidFill>
               <a:uFillTx/>
-              <a:latin typeface="Arial" panose="020B0604020202020204" pitchFamily="34" charset="0"/>
-              <a:ea typeface="黑体" charset="0"/>
-              <a:cs typeface="黑体" charset="0"/>
+              <a:latin typeface="Heiti SC Light" panose="02000000000000000000" charset="-122"/>
+              <a:ea typeface="Heiti SC Light" panose="02000000000000000000" charset="-122"/>
+              <a:cs typeface="Heiti SC Light" panose="02000000000000000000" charset="-122"/>
             </a:endParaRPr>
           </a:p>
           <a:p>
             <a:pPr algn="l"/>
             <a:r>
-              <a:rPr lang="zh-CN" altLang="en-US">
+              <a:rPr lang="zh-CN" altLang="en-US" sz="2400">
+                <a:solidFill>
+                  <a:schemeClr val="tx1"/>
+                </a:solidFill>
+                <a:highlight>
+                  <a:srgbClr val="FFFF00"/>
+                </a:highlight>
+                <a:uFillTx/>
+                <a:latin typeface="Heiti SC Light" panose="02000000000000000000" charset="-122"/>
+                <a:ea typeface="Heiti SC Light" panose="02000000000000000000" charset="-122"/>
+                <a:cs typeface="Heiti SC Light" panose="02000000000000000000" charset="-122"/>
+              </a:rPr>
+              <a:t>示例 2：</a:t>
+            </a:r>
+            <a:endParaRPr lang="zh-CN" altLang="en-US" sz="2400">
+              <a:solidFill>
+                <a:schemeClr val="tx1"/>
+              </a:solidFill>
+              <a:highlight>
+                <a:srgbClr val="FFFF00"/>
+              </a:highlight>
+              <a:uFillTx/>
+              <a:latin typeface="Heiti SC Light" panose="02000000000000000000" charset="-122"/>
+              <a:ea typeface="Heiti SC Light" panose="02000000000000000000" charset="-122"/>
+              <a:cs typeface="Heiti SC Light" panose="02000000000000000000" charset="-122"/>
+            </a:endParaRPr>
+          </a:p>
+          <a:p>
+            <a:pPr algn="l"/>
+            <a:r>
+              <a:rPr lang="zh-CN" altLang="en-US" sz="2400">
+                <a:solidFill>
+                  <a:schemeClr val="tx1"/>
+                </a:solidFill>
+                <a:highlight>
+                  <a:srgbClr val="FFFF00"/>
+                </a:highlight>
+                <a:uFillTx/>
+                <a:latin typeface="Heiti SC Light" panose="02000000000000000000" charset="-122"/>
+                <a:ea typeface="Heiti SC Light" panose="02000000000000000000" charset="-122"/>
+                <a:cs typeface="Heiti SC Light" panose="02000000000000000000" charset="-122"/>
+              </a:rPr>
+              <a:t>输入：s = "()[]{}"</a:t>
+            </a:r>
+            <a:endParaRPr lang="zh-CN" altLang="en-US" sz="2400">
+              <a:solidFill>
+                <a:schemeClr val="tx1"/>
+              </a:solidFill>
+              <a:highlight>
+                <a:srgbClr val="FFFF00"/>
+              </a:highlight>
+              <a:uFillTx/>
+              <a:latin typeface="Heiti SC Light" panose="02000000000000000000" charset="-122"/>
+              <a:ea typeface="Heiti SC Light" panose="02000000000000000000" charset="-122"/>
+              <a:cs typeface="Heiti SC Light" panose="02000000000000000000" charset="-122"/>
+            </a:endParaRPr>
+          </a:p>
+          <a:p>
+            <a:pPr algn="l"/>
+            <a:r>
+              <a:rPr lang="zh-CN" altLang="en-US" sz="2400">
+                <a:solidFill>
+                  <a:schemeClr val="tx1"/>
+                </a:solidFill>
+                <a:highlight>
+                  <a:srgbClr val="FFFF00"/>
+                </a:highlight>
+                <a:uFillTx/>
+                <a:latin typeface="Heiti SC Light" panose="02000000000000000000" charset="-122"/>
+                <a:ea typeface="Heiti SC Light" panose="02000000000000000000" charset="-122"/>
+                <a:cs typeface="Heiti SC Light" panose="02000000000000000000" charset="-122"/>
+              </a:rPr>
+              <a:t>输出：true</a:t>
+            </a:r>
+            <a:endParaRPr lang="zh-CN" altLang="en-US" sz="2400">
+              <a:solidFill>
+                <a:schemeClr val="tx1"/>
+              </a:solidFill>
+              <a:highlight>
+                <a:srgbClr val="FFFF00"/>
+              </a:highlight>
+              <a:uFillTx/>
+              <a:latin typeface="Heiti SC Light" panose="02000000000000000000" charset="-122"/>
+              <a:ea typeface="Heiti SC Light" panose="02000000000000000000" charset="-122"/>
+              <a:cs typeface="Heiti SC Light" panose="02000000000000000000" charset="-122"/>
+            </a:endParaRPr>
+          </a:p>
+          <a:p>
+            <a:pPr algn="l"/>
+            <a:r>
+              <a:rPr lang="zh-CN" altLang="en-US" sz="2400">
                 <a:solidFill>
                   <a:schemeClr val="tx1"/>
                 </a:solidFill>
                 <a:uFillTx/>
-                <a:latin typeface="Arial" panose="020B0604020202020204" pitchFamily="34" charset="0"/>
-                <a:ea typeface="黑体" charset="0"/>
-                <a:cs typeface="黑体" charset="0"/>
-              </a:rPr>
-              <a:t>输出：true</a:t>
-            </a:r>
-            <a:endParaRPr lang="zh-CN" altLang="en-US">
+                <a:latin typeface="Heiti SC Light" panose="02000000000000000000" charset="-122"/>
+                <a:ea typeface="Heiti SC Light" panose="02000000000000000000" charset="-122"/>
+                <a:cs typeface="Heiti SC Light" panose="02000000000000000000" charset="-122"/>
+              </a:rPr>
+              <a:t>示例 3：</a:t>
+            </a:r>
+            <a:endParaRPr lang="zh-CN" altLang="en-US" sz="2400">
               <a:solidFill>
                 <a:schemeClr val="tx1"/>
               </a:solidFill>
               <a:uFillTx/>
-              <a:latin typeface="Arial" panose="020B0604020202020204" pitchFamily="34" charset="0"/>
-              <a:ea typeface="黑体" charset="0"/>
-              <a:cs typeface="黑体" charset="0"/>
+              <a:latin typeface="Heiti SC Light" panose="02000000000000000000" charset="-122"/>
+              <a:ea typeface="Heiti SC Light" panose="02000000000000000000" charset="-122"/>
+              <a:cs typeface="Heiti SC Light" panose="02000000000000000000" charset="-122"/>
             </a:endParaRPr>
           </a:p>
           <a:p>
             <a:pPr algn="l"/>
-            <a:endParaRPr lang="zh-CN" altLang="en-US">
+            <a:r>
+              <a:rPr lang="zh-CN" altLang="en-US" sz="2400">
+                <a:solidFill>
+                  <a:schemeClr val="tx1"/>
+                </a:solidFill>
+                <a:uFillTx/>
+                <a:latin typeface="Heiti SC Light" panose="02000000000000000000" charset="-122"/>
+                <a:ea typeface="Heiti SC Light" panose="02000000000000000000" charset="-122"/>
+                <a:cs typeface="Heiti SC Light" panose="02000000000000000000" charset="-122"/>
+              </a:rPr>
+              <a:t>输入：s = "(]"</a:t>
+            </a:r>
+            <a:endParaRPr lang="zh-CN" altLang="en-US" sz="2400">
               <a:solidFill>
                 <a:schemeClr val="tx1"/>
               </a:solidFill>
               <a:uFillTx/>
-              <a:latin typeface="Arial" panose="020B0604020202020204" pitchFamily="34" charset="0"/>
-              <a:ea typeface="黑体" charset="0"/>
-              <a:cs typeface="黑体" charset="0"/>
+              <a:latin typeface="Heiti SC Light" panose="02000000000000000000" charset="-122"/>
+              <a:ea typeface="Heiti SC Light" panose="02000000000000000000" charset="-122"/>
+              <a:cs typeface="Heiti SC Light" panose="02000000000000000000" charset="-122"/>
             </a:endParaRPr>
           </a:p>
           <a:p>
             <a:pPr algn="l"/>
             <a:r>
-              <a:rPr lang="zh-CN" altLang="en-US">
+              <a:rPr lang="zh-CN" altLang="en-US" sz="2400">
                 <a:solidFill>
                   <a:schemeClr val="tx1"/>
                 </a:solidFill>
                 <a:uFillTx/>
-                <a:latin typeface="Arial" panose="020B0604020202020204" pitchFamily="34" charset="0"/>
-                <a:ea typeface="黑体" charset="0"/>
-                <a:cs typeface="黑体" charset="0"/>
-              </a:rPr>
-              <a:t>示例 2：</a:t>
-            </a:r>
-            <a:endParaRPr lang="zh-CN" altLang="en-US">
+                <a:latin typeface="Heiti SC Light" panose="02000000000000000000" charset="-122"/>
+                <a:ea typeface="Heiti SC Light" panose="02000000000000000000" charset="-122"/>
+                <a:cs typeface="Heiti SC Light" panose="02000000000000000000" charset="-122"/>
+              </a:rPr>
+              <a:t>输出：false</a:t>
+            </a:r>
+            <a:endParaRPr lang="zh-CN" altLang="en-US" sz="2400">
               <a:solidFill>
                 <a:schemeClr val="tx1"/>
               </a:solidFill>
               <a:uFillTx/>
-              <a:latin typeface="Arial" panose="020B0604020202020204" pitchFamily="34" charset="0"/>
-              <a:ea typeface="黑体" charset="0"/>
-              <a:cs typeface="黑体" charset="0"/>
-            </a:endParaRPr>
-          </a:p>
-          <a:p>
-            <a:pPr algn="l"/>
-            <a:endParaRPr lang="zh-CN" altLang="en-US">
-              <a:solidFill>
-                <a:schemeClr val="tx1"/>
-              </a:solidFill>
-              <a:uFillTx/>
-              <a:latin typeface="Arial" panose="020B0604020202020204" pitchFamily="34" charset="0"/>
-              <a:ea typeface="黑体" charset="0"/>
-              <a:cs typeface="黑体" charset="0"/>
-            </a:endParaRPr>
-          </a:p>
-          <a:p>
-            <a:pPr algn="l"/>
-            <a:r>
-              <a:rPr lang="zh-CN" altLang="en-US">
-                <a:solidFill>
-                  <a:schemeClr val="tx1"/>
-                </a:solidFill>
-                <a:uFillTx/>
-                <a:latin typeface="Arial" panose="020B0604020202020204" pitchFamily="34" charset="0"/>
-                <a:ea typeface="黑体" charset="0"/>
-                <a:cs typeface="黑体" charset="0"/>
-              </a:rPr>
-              <a:t>输入：s = "()[]{}"</a:t>
-            </a:r>
-            <a:endParaRPr lang="zh-CN" altLang="en-US">
-              <a:solidFill>
-                <a:schemeClr val="tx1"/>
-              </a:solidFill>
-              <a:uFillTx/>
-              <a:latin typeface="Arial" panose="020B0604020202020204" pitchFamily="34" charset="0"/>
-              <a:ea typeface="黑体" charset="0"/>
-              <a:cs typeface="黑体" charset="0"/>
-            </a:endParaRPr>
-          </a:p>
-          <a:p>
-            <a:pPr algn="l"/>
-            <a:r>
-              <a:rPr lang="zh-CN" altLang="en-US">
-                <a:solidFill>
-                  <a:schemeClr val="tx1"/>
-                </a:solidFill>
-                <a:uFillTx/>
-                <a:latin typeface="Arial" panose="020B0604020202020204" pitchFamily="34" charset="0"/>
-                <a:ea typeface="黑体" charset="0"/>
-                <a:cs typeface="黑体" charset="0"/>
-              </a:rPr>
-              <a:t>输出：true</a:t>
-            </a:r>
-            <a:endParaRPr lang="zh-CN" altLang="en-US">
-              <a:solidFill>
-                <a:schemeClr val="tx1"/>
-              </a:solidFill>
-              <a:uFillTx/>
-              <a:latin typeface="Arial" panose="020B0604020202020204" pitchFamily="34" charset="0"/>
-              <a:ea typeface="黑体" charset="0"/>
-              <a:cs typeface="黑体" charset="0"/>
-            </a:endParaRPr>
-          </a:p>
-          <a:p>
-            <a:pPr algn="l"/>
-            <a:endParaRPr lang="zh-CN" altLang="en-US">
-              <a:solidFill>
-                <a:schemeClr val="tx1"/>
-              </a:solidFill>
-              <a:uFillTx/>
-              <a:latin typeface="Arial" panose="020B0604020202020204" pitchFamily="34" charset="0"/>
-              <a:ea typeface="黑体" charset="0"/>
-              <a:cs typeface="黑体" charset="0"/>
-            </a:endParaRPr>
-          </a:p>
-          <a:p>
-            <a:pPr algn="l"/>
-            <a:r>
-              <a:rPr lang="zh-CN" altLang="en-US">
-                <a:solidFill>
-                  <a:schemeClr val="tx1"/>
-                </a:solidFill>
-                <a:uFillTx/>
-                <a:latin typeface="Arial" panose="020B0604020202020204" pitchFamily="34" charset="0"/>
-                <a:ea typeface="黑体" charset="0"/>
-                <a:cs typeface="黑体" charset="0"/>
-              </a:rPr>
-              <a:t>示例 3：</a:t>
-            </a:r>
-            <a:endParaRPr lang="zh-CN" altLang="en-US">
-              <a:solidFill>
-                <a:schemeClr val="tx1"/>
-              </a:solidFill>
-              <a:uFillTx/>
-              <a:latin typeface="Arial" panose="020B0604020202020204" pitchFamily="34" charset="0"/>
-              <a:ea typeface="黑体" charset="0"/>
-              <a:cs typeface="黑体" charset="0"/>
-            </a:endParaRPr>
-          </a:p>
-          <a:p>
-            <a:pPr algn="l"/>
-            <a:endParaRPr lang="zh-CN" altLang="en-US">
-              <a:solidFill>
-                <a:schemeClr val="tx1"/>
-              </a:solidFill>
-              <a:uFillTx/>
-              <a:latin typeface="Arial" panose="020B0604020202020204" pitchFamily="34" charset="0"/>
-              <a:ea typeface="黑体" charset="0"/>
-              <a:cs typeface="黑体" charset="0"/>
-            </a:endParaRPr>
-          </a:p>
-          <a:p>
-            <a:pPr algn="l"/>
-            <a:r>
-              <a:rPr lang="zh-CN" altLang="en-US">
-                <a:solidFill>
-                  <a:schemeClr val="tx1"/>
-                </a:solidFill>
-                <a:uFillTx/>
-                <a:latin typeface="Arial" panose="020B0604020202020204" pitchFamily="34" charset="0"/>
-                <a:ea typeface="黑体" charset="0"/>
-                <a:cs typeface="黑体" charset="0"/>
-              </a:rPr>
-              <a:t>输入：s = "(]"</a:t>
-            </a:r>
-            <a:endParaRPr lang="zh-CN" altLang="en-US">
-              <a:solidFill>
-                <a:schemeClr val="tx1"/>
-              </a:solidFill>
-              <a:uFillTx/>
-              <a:latin typeface="Arial" panose="020B0604020202020204" pitchFamily="34" charset="0"/>
-              <a:ea typeface="黑体" charset="0"/>
-              <a:cs typeface="黑体" charset="0"/>
-            </a:endParaRPr>
-          </a:p>
-          <a:p>
-            <a:pPr algn="l"/>
-            <a:r>
-              <a:rPr lang="zh-CN" altLang="en-US">
-                <a:solidFill>
-                  <a:schemeClr val="tx1"/>
-                </a:solidFill>
-                <a:uFillTx/>
-                <a:latin typeface="Arial" panose="020B0604020202020204" pitchFamily="34" charset="0"/>
-                <a:ea typeface="黑体" charset="0"/>
-                <a:cs typeface="黑体" charset="0"/>
-              </a:rPr>
-              <a:t>输出：false</a:t>
-            </a:r>
-            <a:endParaRPr lang="zh-CN" altLang="en-US">
-              <a:solidFill>
-                <a:schemeClr val="tx1"/>
-              </a:solidFill>
-              <a:uFillTx/>
-              <a:latin typeface="Arial" panose="020B0604020202020204" pitchFamily="34" charset="0"/>
-              <a:ea typeface="黑体" charset="0"/>
-              <a:cs typeface="黑体" charset="0"/>
+              <a:latin typeface="Heiti SC Light" panose="02000000000000000000" charset="-122"/>
+              <a:ea typeface="Heiti SC Light" panose="02000000000000000000" charset="-122"/>
+              <a:cs typeface="Heiti SC Light" panose="02000000000000000000" charset="-122"/>
             </a:endParaRPr>
           </a:p>
         </p:txBody>

--- a/linear-list/2022秋季-数据结构-第3章-线性结构b.pptx
+++ b/linear-list/2022秋季-数据结构-第3章-线性结构b.pptx
@@ -125,7 +125,7 @@
       </a:defRPr>
     </a:lvl9pPr>
   </p:defaultTextStyle>
-  <p:modifyVerifier cryptProviderType="rsaFull" cryptAlgorithmClass="hash" cryptAlgorithmType="typeAny" cryptAlgorithmSid="4" spinCount="100000" saltData="+3/qBSDIsr9iVYE+cVB6mw==" hashData="3q0LMOQuh9MRoCMQ0oYSUWY7/Dw="/>
+  <p:modifyVerifier cryptProviderType="rsaFull" cryptAlgorithmClass="hash" cryptAlgorithmType="typeAny" cryptAlgorithmSid="4" spinCount="100000" saltData="tYfeu++lbnPLH+OQILpMSQ==" hashData="G8WemvTaGDUGhziB59lftc8tx8A="/>
 </p:presentation>
 </file>
 
@@ -3694,7 +3694,11 @@
             </a:r>
             <a:r>
               <a:rPr lang="zh-CN" altLang="en-US"/>
-              <a:t>后缀</a:t>
+              <a:t>后缀（</a:t>
+            </a:r>
+            <a:r>
+              <a:rPr lang="zh-CN" altLang="en-US"/>
+              <a:t>跳过）</a:t>
             </a:r>
             <a:endParaRPr lang="zh-CN" altLang="en-US"/>
           </a:p>
@@ -4615,7 +4619,13 @@
               <a:rPr lang="zh-CN" altLang="en-US">
                 <a:sym typeface="+mn-ea"/>
               </a:rPr>
-              <a:t>后缀</a:t>
+              <a:t>后缀（</a:t>
+            </a:r>
+            <a:r>
+              <a:rPr lang="zh-CN" altLang="en-US">
+                <a:sym typeface="+mn-ea"/>
+              </a:rPr>
+              <a:t>跳过）</a:t>
             </a:r>
             <a:endParaRPr lang="zh-CN" altLang="en-US"/>
           </a:p>
@@ -6922,7 +6932,7 @@
         <p:spPr>
           <a:xfrm>
             <a:off x="8713470" y="258445"/>
-            <a:ext cx="2926080" cy="1476375"/>
+            <a:ext cx="2697480" cy="1476375"/>
           </a:xfrm>
           <a:prstGeom prst="rect">
             <a:avLst/>
@@ -6937,70 +6947,70 @@
             <a:pPr algn="l"/>
             <a:r>
               <a:rPr lang="zh-CN" altLang="en-US">
-                <a:latin typeface="Courier New Regular" panose="02070309020205020404" charset="0"/>
-                <a:cs typeface="Courier New Regular" panose="02070309020205020404" charset="0"/>
+                <a:latin typeface="Consolas" panose="020B0609020204030204" charset="0"/>
+                <a:cs typeface="Consolas" panose="020B0609020204030204" charset="0"/>
               </a:rPr>
               <a:t>struct Queue {</a:t>
             </a:r>
             <a:endParaRPr lang="zh-CN" altLang="en-US">
-              <a:latin typeface="Courier New Regular" panose="02070309020205020404" charset="0"/>
-              <a:cs typeface="Courier New Regular" panose="02070309020205020404" charset="0"/>
+              <a:latin typeface="Consolas" panose="020B0609020204030204" charset="0"/>
+              <a:cs typeface="Consolas" panose="020B0609020204030204" charset="0"/>
             </a:endParaRPr>
           </a:p>
           <a:p>
             <a:pPr algn="l"/>
             <a:r>
               <a:rPr lang="zh-CN" altLang="en-US">
-                <a:latin typeface="Courier New Regular" panose="02070309020205020404" charset="0"/>
-                <a:cs typeface="Courier New Regular" panose="02070309020205020404" charset="0"/>
+                <a:latin typeface="Consolas" panose="020B0609020204030204" charset="0"/>
+                <a:cs typeface="Consolas" panose="020B0609020204030204" charset="0"/>
               </a:rPr>
               <a:t>    int *data;</a:t>
             </a:r>
             <a:endParaRPr lang="zh-CN" altLang="en-US">
-              <a:latin typeface="Courier New Regular" panose="02070309020205020404" charset="0"/>
-              <a:cs typeface="Courier New Regular" panose="02070309020205020404" charset="0"/>
+              <a:latin typeface="Consolas" panose="020B0609020204030204" charset="0"/>
+              <a:cs typeface="Consolas" panose="020B0609020204030204" charset="0"/>
             </a:endParaRPr>
           </a:p>
           <a:p>
             <a:pPr algn="l"/>
             <a:r>
               <a:rPr lang="zh-CN" altLang="en-US">
-                <a:latin typeface="Courier New Regular" panose="02070309020205020404" charset="0"/>
-                <a:cs typeface="Courier New Regular" panose="02070309020205020404" charset="0"/>
+                <a:latin typeface="Consolas" panose="020B0609020204030204" charset="0"/>
+                <a:cs typeface="Consolas" panose="020B0609020204030204" charset="0"/>
               </a:rPr>
               <a:t>    int front, rear;</a:t>
             </a:r>
             <a:endParaRPr lang="zh-CN" altLang="en-US">
-              <a:latin typeface="Courier New Regular" panose="02070309020205020404" charset="0"/>
-              <a:cs typeface="Courier New Regular" panose="02070309020205020404" charset="0"/>
+              <a:latin typeface="Consolas" panose="020B0609020204030204" charset="0"/>
+              <a:cs typeface="Consolas" panose="020B0609020204030204" charset="0"/>
             </a:endParaRPr>
           </a:p>
           <a:p>
             <a:pPr algn="l"/>
             <a:r>
               <a:rPr lang="zh-CN" altLang="en-US">
-                <a:latin typeface="Courier New Regular" panose="02070309020205020404" charset="0"/>
-                <a:cs typeface="Courier New Regular" panose="02070309020205020404" charset="0"/>
+                <a:latin typeface="Consolas" panose="020B0609020204030204" charset="0"/>
+                <a:cs typeface="Consolas" panose="020B0609020204030204" charset="0"/>
               </a:rPr>
               <a:t>    int MaxSize;</a:t>
             </a:r>
             <a:endParaRPr lang="zh-CN" altLang="en-US">
-              <a:latin typeface="Courier New Regular" panose="02070309020205020404" charset="0"/>
-              <a:cs typeface="Courier New Regular" panose="02070309020205020404" charset="0"/>
+              <a:latin typeface="Consolas" panose="020B0609020204030204" charset="0"/>
+              <a:cs typeface="Consolas" panose="020B0609020204030204" charset="0"/>
             </a:endParaRPr>
           </a:p>
           <a:p>
             <a:pPr algn="l"/>
             <a:r>
               <a:rPr lang="zh-CN" altLang="en-US">
-                <a:latin typeface="Courier New Regular" panose="02070309020205020404" charset="0"/>
-                <a:cs typeface="Courier New Regular" panose="02070309020205020404" charset="0"/>
+                <a:latin typeface="Consolas" panose="020B0609020204030204" charset="0"/>
+                <a:cs typeface="Consolas" panose="020B0609020204030204" charset="0"/>
               </a:rPr>
               <a:t>};</a:t>
             </a:r>
             <a:endParaRPr lang="zh-CN" altLang="en-US">
-              <a:latin typeface="Courier New Regular" panose="02070309020205020404" charset="0"/>
-              <a:cs typeface="Courier New Regular" panose="02070309020205020404" charset="0"/>
+              <a:latin typeface="Consolas" panose="020B0609020204030204" charset="0"/>
+              <a:cs typeface="Consolas" panose="020B0609020204030204" charset="0"/>
             </a:endParaRPr>
           </a:p>
         </p:txBody>
@@ -11536,7 +11546,7 @@
         <p:spPr>
           <a:xfrm>
             <a:off x="9310370" y="182880"/>
-            <a:ext cx="2377440" cy="1476375"/>
+            <a:ext cx="2194560" cy="1476375"/>
           </a:xfrm>
           <a:prstGeom prst="rect">
             <a:avLst/>
@@ -11551,13 +11561,21 @@
             <a:pPr algn="l"/>
             <a:r>
               <a:rPr lang="en-US">
-                <a:latin typeface="Courier New Regular" panose="02070309020205020404" charset="0"/>
+                <a:solidFill>
+                  <a:schemeClr val="tx1"/>
+                </a:solidFill>
+                <a:uFillTx/>
+                <a:latin typeface="Consolas" panose="020B0609020204030204" charset="0"/>
                 <a:cs typeface="Courier New Regular" panose="02070309020205020404" charset="0"/>
               </a:rPr>
               <a:t>struct Stack {</a:t>
             </a:r>
             <a:endParaRPr lang="en-US">
-              <a:latin typeface="Courier New Regular" panose="02070309020205020404" charset="0"/>
+              <a:solidFill>
+                <a:schemeClr val="tx1"/>
+              </a:solidFill>
+              <a:uFillTx/>
+              <a:latin typeface="Consolas" panose="020B0609020204030204" charset="0"/>
               <a:cs typeface="Courier New Regular" panose="02070309020205020404" charset="0"/>
             </a:endParaRPr>
           </a:p>
@@ -11565,13 +11583,21 @@
             <a:pPr algn="l"/>
             <a:r>
               <a:rPr lang="en-US">
-                <a:latin typeface="Courier New Regular" panose="02070309020205020404" charset="0"/>
+                <a:solidFill>
+                  <a:schemeClr val="tx1"/>
+                </a:solidFill>
+                <a:uFillTx/>
+                <a:latin typeface="Consolas" panose="020B0609020204030204" charset="0"/>
                 <a:cs typeface="Courier New Regular" panose="02070309020205020404" charset="0"/>
               </a:rPr>
               <a:t>    int *data;</a:t>
             </a:r>
             <a:endParaRPr lang="en-US">
-              <a:latin typeface="Courier New Regular" panose="02070309020205020404" charset="0"/>
+              <a:solidFill>
+                <a:schemeClr val="tx1"/>
+              </a:solidFill>
+              <a:uFillTx/>
+              <a:latin typeface="Consolas" panose="020B0609020204030204" charset="0"/>
               <a:cs typeface="Courier New Regular" panose="02070309020205020404" charset="0"/>
             </a:endParaRPr>
           </a:p>
@@ -11579,13 +11605,21 @@
             <a:pPr algn="l"/>
             <a:r>
               <a:rPr lang="en-US">
-                <a:latin typeface="Courier New Regular" panose="02070309020205020404" charset="0"/>
+                <a:solidFill>
+                  <a:schemeClr val="tx1"/>
+                </a:solidFill>
+                <a:uFillTx/>
+                <a:latin typeface="Consolas" panose="020B0609020204030204" charset="0"/>
                 <a:cs typeface="Courier New Regular" panose="02070309020205020404" charset="0"/>
               </a:rPr>
               <a:t>    int top;</a:t>
             </a:r>
             <a:endParaRPr lang="en-US">
-              <a:latin typeface="Courier New Regular" panose="02070309020205020404" charset="0"/>
+              <a:solidFill>
+                <a:schemeClr val="tx1"/>
+              </a:solidFill>
+              <a:uFillTx/>
+              <a:latin typeface="Consolas" panose="020B0609020204030204" charset="0"/>
               <a:cs typeface="Courier New Regular" panose="02070309020205020404" charset="0"/>
             </a:endParaRPr>
           </a:p>
@@ -11593,13 +11627,21 @@
             <a:pPr algn="l"/>
             <a:r>
               <a:rPr lang="en-US">
-                <a:latin typeface="Courier New Regular" panose="02070309020205020404" charset="0"/>
+                <a:solidFill>
+                  <a:schemeClr val="tx1"/>
+                </a:solidFill>
+                <a:uFillTx/>
+                <a:latin typeface="Consolas" panose="020B0609020204030204" charset="0"/>
                 <a:cs typeface="Courier New Regular" panose="02070309020205020404" charset="0"/>
               </a:rPr>
               <a:t>    int MaxSize;</a:t>
             </a:r>
             <a:endParaRPr lang="en-US">
-              <a:latin typeface="Courier New Regular" panose="02070309020205020404" charset="0"/>
+              <a:solidFill>
+                <a:schemeClr val="tx1"/>
+              </a:solidFill>
+              <a:uFillTx/>
+              <a:latin typeface="Consolas" panose="020B0609020204030204" charset="0"/>
               <a:cs typeface="Courier New Regular" panose="02070309020205020404" charset="0"/>
             </a:endParaRPr>
           </a:p>
@@ -11607,13 +11649,21 @@
             <a:pPr algn="l"/>
             <a:r>
               <a:rPr lang="en-US">
-                <a:latin typeface="Courier New Regular" panose="02070309020205020404" charset="0"/>
+                <a:solidFill>
+                  <a:schemeClr val="tx1"/>
+                </a:solidFill>
+                <a:uFillTx/>
+                <a:latin typeface="Consolas" panose="020B0609020204030204" charset="0"/>
                 <a:cs typeface="Courier New Regular" panose="02070309020205020404" charset="0"/>
               </a:rPr>
               <a:t>};</a:t>
             </a:r>
             <a:endParaRPr lang="en-US">
-              <a:latin typeface="Courier New Regular" panose="02070309020205020404" charset="0"/>
+              <a:solidFill>
+                <a:schemeClr val="tx1"/>
+              </a:solidFill>
+              <a:uFillTx/>
+              <a:latin typeface="Consolas" panose="020B0609020204030204" charset="0"/>
               <a:cs typeface="Courier New Regular" panose="02070309020205020404" charset="0"/>
             </a:endParaRPr>
           </a:p>
@@ -11627,8 +11677,8 @@
         </p:nvSpPr>
         <p:spPr>
           <a:xfrm>
-            <a:off x="647700" y="3892550"/>
-            <a:ext cx="10515600" cy="2584450"/>
+            <a:off x="1538605" y="3592830"/>
+            <a:ext cx="8733155" cy="2584450"/>
           </a:xfrm>
           <a:prstGeom prst="rect">
             <a:avLst/>
@@ -11640,159 +11690,184 @@
             <a:spAutoFit/>
           </a:bodyPr>
           <a:p>
-            <a:pPr algn="l"/>
-            <a:r>
-              <a:rPr lang="zh-CN" altLang="en-US">
-                <a:latin typeface="Courier New Regular" panose="02070309020205020404" charset="0"/>
+            <a:pPr algn="l">
+              <a:buClrTx/>
+              <a:buSzTx/>
+              <a:buNone/>
+            </a:pPr>
+            <a:r>
+              <a:rPr lang="en-US">
+                <a:uFillTx/>
+                <a:latin typeface="Consolas" panose="020B0609020204030204" charset="0"/>
                 <a:cs typeface="Courier New Regular" panose="02070309020205020404" charset="0"/>
               </a:rPr>
               <a:t>struct Stack *createStack(int MaxSize) {</a:t>
             </a:r>
-            <a:endParaRPr lang="zh-CN" altLang="en-US">
-              <a:latin typeface="Courier New Regular" panose="02070309020205020404" charset="0"/>
+            <a:endParaRPr lang="en-US">
+              <a:uFillTx/>
+              <a:latin typeface="Consolas" panose="020B0609020204030204" charset="0"/>
               <a:cs typeface="Courier New Regular" panose="02070309020205020404" charset="0"/>
             </a:endParaRPr>
           </a:p>
           <a:p>
-            <a:pPr algn="l"/>
-            <a:r>
-              <a:rPr lang="zh-CN" altLang="en-US">
-                <a:latin typeface="Courier New Regular" panose="02070309020205020404" charset="0"/>
+            <a:pPr algn="l">
+              <a:buClrTx/>
+              <a:buSzTx/>
+              <a:buNone/>
+            </a:pPr>
+            <a:r>
+              <a:rPr lang="en-US">
+                <a:uFillTx/>
+                <a:latin typeface="Consolas" panose="020B0609020204030204" charset="0"/>
                 <a:cs typeface="Courier New Regular" panose="02070309020205020404" charset="0"/>
               </a:rPr>
               <a:t>    struct Stack *s = (struct Stack *)malloc(sizeof(struct Stack));</a:t>
             </a:r>
-            <a:endParaRPr lang="zh-CN" altLang="en-US">
-              <a:latin typeface="Courier New Regular" panose="02070309020205020404" charset="0"/>
+            <a:endParaRPr lang="en-US">
+              <a:uFillTx/>
+              <a:latin typeface="Consolas" panose="020B0609020204030204" charset="0"/>
               <a:cs typeface="Courier New Regular" panose="02070309020205020404" charset="0"/>
             </a:endParaRPr>
           </a:p>
           <a:p>
-            <a:pPr algn="l"/>
-            <a:r>
-              <a:rPr lang="zh-CN" altLang="en-US">
-                <a:latin typeface="Courier New Regular" panose="02070309020205020404" charset="0"/>
+            <a:pPr algn="l">
+              <a:buClrTx/>
+              <a:buSzTx/>
+              <a:buNone/>
+            </a:pPr>
+            <a:r>
+              <a:rPr lang="en-US">
+                <a:uFillTx/>
+                <a:latin typeface="Consolas" panose="020B0609020204030204" charset="0"/>
                 <a:cs typeface="Courier New Regular" panose="02070309020205020404" charset="0"/>
               </a:rPr>
               <a:t>    s-&gt;data = (int *)malloc(MaxSize * sizeof(int));</a:t>
             </a:r>
-            <a:endParaRPr lang="zh-CN" altLang="en-US">
-              <a:latin typeface="Courier New Regular" panose="02070309020205020404" charset="0"/>
+            <a:endParaRPr lang="en-US">
+              <a:uFillTx/>
+              <a:latin typeface="Consolas" panose="020B0609020204030204" charset="0"/>
               <a:cs typeface="Courier New Regular" panose="02070309020205020404" charset="0"/>
             </a:endParaRPr>
           </a:p>
           <a:p>
-            <a:pPr algn="l"/>
-            <a:r>
-              <a:rPr lang="zh-CN" altLang="en-US">
-                <a:latin typeface="Courier New Regular" panose="02070309020205020404" charset="0"/>
+            <a:pPr algn="l">
+              <a:buClrTx/>
+              <a:buSzTx/>
+              <a:buNone/>
+            </a:pPr>
+            <a:r>
+              <a:rPr lang="en-US">
+                <a:uFillTx/>
+                <a:latin typeface="Consolas" panose="020B0609020204030204" charset="0"/>
                 <a:cs typeface="Courier New Regular" panose="02070309020205020404" charset="0"/>
               </a:rPr>
               <a:t>    s-&gt;top = -1;</a:t>
             </a:r>
-            <a:endParaRPr lang="zh-CN" altLang="en-US">
-              <a:latin typeface="Courier New Regular" panose="02070309020205020404" charset="0"/>
+            <a:endParaRPr lang="en-US">
+              <a:uFillTx/>
+              <a:latin typeface="Consolas" panose="020B0609020204030204" charset="0"/>
               <a:cs typeface="Courier New Regular" panose="02070309020205020404" charset="0"/>
             </a:endParaRPr>
           </a:p>
           <a:p>
-            <a:pPr algn="l"/>
-            <a:r>
-              <a:rPr lang="zh-CN" altLang="en-US">
-                <a:latin typeface="Courier New Regular" panose="02070309020205020404" charset="0"/>
+            <a:pPr algn="l">
+              <a:buClrTx/>
+              <a:buSzTx/>
+              <a:buNone/>
+            </a:pPr>
+            <a:r>
+              <a:rPr lang="en-US">
+                <a:uFillTx/>
+                <a:latin typeface="Consolas" panose="020B0609020204030204" charset="0"/>
                 <a:cs typeface="Courier New Regular" panose="02070309020205020404" charset="0"/>
               </a:rPr>
               <a:t>    s-&gt;MaxSize = MaxSize;</a:t>
             </a:r>
-            <a:endParaRPr lang="zh-CN" altLang="en-US">
-              <a:latin typeface="Courier New Regular" panose="02070309020205020404" charset="0"/>
+            <a:endParaRPr lang="en-US">
+              <a:uFillTx/>
+              <a:latin typeface="Consolas" panose="020B0609020204030204" charset="0"/>
               <a:cs typeface="Courier New Regular" panose="02070309020205020404" charset="0"/>
             </a:endParaRPr>
           </a:p>
           <a:p>
-            <a:pPr algn="l"/>
-            <a:r>
-              <a:rPr lang="zh-CN" altLang="en-US">
-                <a:latin typeface="Courier New Regular" panose="02070309020205020404" charset="0"/>
+            <a:pPr algn="l">
+              <a:buClrTx/>
+              <a:buSzTx/>
+              <a:buNone/>
+            </a:pPr>
+            <a:r>
+              <a:rPr lang="en-US">
+                <a:uFillTx/>
+                <a:latin typeface="Consolas" panose="020B0609020204030204" charset="0"/>
                 <a:cs typeface="Courier New Regular" panose="02070309020205020404" charset="0"/>
               </a:rPr>
               <a:t>    return s;</a:t>
             </a:r>
-            <a:endParaRPr lang="zh-CN" altLang="en-US">
-              <a:latin typeface="Courier New Regular" panose="02070309020205020404" charset="0"/>
+            <a:endParaRPr lang="en-US">
+              <a:uFillTx/>
+              <a:latin typeface="Consolas" panose="020B0609020204030204" charset="0"/>
               <a:cs typeface="Courier New Regular" panose="02070309020205020404" charset="0"/>
             </a:endParaRPr>
           </a:p>
           <a:p>
-            <a:pPr algn="l"/>
-            <a:r>
-              <a:rPr lang="zh-CN" altLang="en-US">
-                <a:latin typeface="Courier New Regular" panose="02070309020205020404" charset="0"/>
+            <a:pPr algn="l">
+              <a:buClrTx/>
+              <a:buSzTx/>
+              <a:buNone/>
+            </a:pPr>
+            <a:r>
+              <a:rPr lang="en-US">
+                <a:uFillTx/>
+                <a:latin typeface="Consolas" panose="020B0609020204030204" charset="0"/>
                 <a:cs typeface="Courier New Regular" panose="02070309020205020404" charset="0"/>
               </a:rPr>
               <a:t>}</a:t>
             </a:r>
-            <a:endParaRPr lang="zh-CN" altLang="en-US">
-              <a:latin typeface="Courier New Regular" panose="02070309020205020404" charset="0"/>
+            <a:endParaRPr lang="en-US">
+              <a:uFillTx/>
+              <a:latin typeface="Consolas" panose="020B0609020204030204" charset="0"/>
               <a:cs typeface="Courier New Regular" panose="02070309020205020404" charset="0"/>
             </a:endParaRPr>
           </a:p>
           <a:p>
-            <a:pPr algn="l"/>
-            <a:r>
-              <a:rPr lang="zh-CN" altLang="en-US">
-                <a:latin typeface="Courier New Regular" panose="02070309020205020404" charset="0"/>
+            <a:pPr algn="l">
+              <a:buClrTx/>
+              <a:buSzTx/>
+              <a:buNone/>
+            </a:pPr>
+            <a:r>
+              <a:rPr lang="en-US">
+                <a:uFillTx/>
+                <a:latin typeface="Consolas" panose="020B0609020204030204" charset="0"/>
                 <a:cs typeface="Courier New Regular" panose="02070309020205020404" charset="0"/>
                 <a:sym typeface="+mn-ea"/>
               </a:rPr>
               <a:t>bool isFull(struct Stack *s) { return s-&gt;top == s-&gt;MaxSize - 1; }</a:t>
             </a:r>
-            <a:endParaRPr lang="zh-CN" altLang="en-US">
-              <a:latin typeface="Courier New Regular" panose="02070309020205020404" charset="0"/>
+            <a:endParaRPr lang="en-US">
+              <a:uFillTx/>
+              <a:latin typeface="Consolas" panose="020B0609020204030204" charset="0"/>
               <a:cs typeface="Courier New Regular" panose="02070309020205020404" charset="0"/>
             </a:endParaRPr>
           </a:p>
           <a:p>
-            <a:pPr algn="l"/>
-            <a:r>
-              <a:rPr lang="zh-CN" altLang="en-US">
-                <a:latin typeface="Courier New Regular" panose="02070309020205020404" charset="0"/>
+            <a:pPr algn="l">
+              <a:buClrTx/>
+              <a:buSzTx/>
+              <a:buNone/>
+            </a:pPr>
+            <a:r>
+              <a:rPr lang="en-US">
+                <a:uFillTx/>
+                <a:latin typeface="Consolas" panose="020B0609020204030204" charset="0"/>
                 <a:cs typeface="Courier New Regular" panose="02070309020205020404" charset="0"/>
                 <a:sym typeface="+mn-ea"/>
               </a:rPr>
-              <a:t>bool isEmpty(struct Stack *s) { return (s-&gt;top == -1); }</a:t>
-            </a:r>
-            <a:endParaRPr lang="zh-CN" altLang="en-US">
-              <a:latin typeface="Courier New Regular" panose="02070309020205020404" charset="0"/>
-              <a:cs typeface="Courier New Regular" panose="02070309020205020404" charset="0"/>
-            </a:endParaRPr>
-          </a:p>
-        </p:txBody>
-      </p:sp>
-      <p:sp>
-        <p:nvSpPr>
-          <p:cNvPr id="9" name="文本框 8"/>
-          <p:cNvSpPr txBox="1"/>
-          <p:nvPr/>
-        </p:nvSpPr>
-        <p:spPr>
-          <a:xfrm>
-            <a:off x="647700" y="6004560"/>
-            <a:ext cx="10515600" cy="368300"/>
-          </a:xfrm>
-          <a:prstGeom prst="rect">
-            <a:avLst/>
-          </a:prstGeom>
-          <a:noFill/>
-        </p:spPr>
-        <p:txBody>
-          <a:bodyPr wrap="square" rtlCol="0">
-            <a:spAutoFit/>
-          </a:bodyPr>
-          <a:p>
-            <a:pPr algn="l"/>
-            <a:endParaRPr lang="zh-CN" altLang="en-US">
-              <a:latin typeface="Courier New Regular" panose="02070309020205020404" charset="0"/>
+              <a:t>bool isEmpty(struct Stack *s) { return s-&gt;top == -1; }</a:t>
+            </a:r>
+            <a:endParaRPr lang="en-US">
+              <a:uFillTx/>
+              <a:latin typeface="Consolas" panose="020B0609020204030204" charset="0"/>
               <a:cs typeface="Courier New Regular" panose="02070309020205020404" charset="0"/>
             </a:endParaRPr>
           </a:p>
@@ -11865,8 +11940,8 @@
                 <a:solidFill>
                   <a:srgbClr val="C00000"/>
                 </a:solidFill>
-                <a:latin typeface="Courier New Regular" panose="02070309020205020404" charset="0"/>
-                <a:cs typeface="Courier New Regular" panose="02070309020205020404" charset="0"/>
+                <a:latin typeface="Consolas" panose="020B0609020204030204" charset="0"/>
+                <a:cs typeface="Consolas" panose="020B0609020204030204" charset="0"/>
               </a:rPr>
               <a:t>bool push(struct Stack *s, int x) {</a:t>
             </a:r>
@@ -11874,8 +11949,8 @@
               <a:solidFill>
                 <a:srgbClr val="C00000"/>
               </a:solidFill>
-              <a:latin typeface="Courier New Regular" panose="02070309020205020404" charset="0"/>
-              <a:cs typeface="Courier New Regular" panose="02070309020205020404" charset="0"/>
+              <a:latin typeface="Consolas" panose="020B0609020204030204" charset="0"/>
+              <a:cs typeface="Consolas" panose="020B0609020204030204" charset="0"/>
             </a:endParaRPr>
           </a:p>
           <a:p>
@@ -11885,8 +11960,8 @@
                 <a:solidFill>
                   <a:srgbClr val="C00000"/>
                 </a:solidFill>
-                <a:latin typeface="Courier New Regular" panose="02070309020205020404" charset="0"/>
-                <a:cs typeface="Courier New Regular" panose="02070309020205020404" charset="0"/>
+                <a:latin typeface="Consolas" panose="020B0609020204030204" charset="0"/>
+                <a:cs typeface="Consolas" panose="020B0609020204030204" charset="0"/>
               </a:rPr>
               <a:t>    if (isFull(s)) {</a:t>
             </a:r>
@@ -11894,8 +11969,8 @@
               <a:solidFill>
                 <a:srgbClr val="C00000"/>
               </a:solidFill>
-              <a:latin typeface="Courier New Regular" panose="02070309020205020404" charset="0"/>
-              <a:cs typeface="Courier New Regular" panose="02070309020205020404" charset="0"/>
+              <a:latin typeface="Consolas" panose="020B0609020204030204" charset="0"/>
+              <a:cs typeface="Consolas" panose="020B0609020204030204" charset="0"/>
             </a:endParaRPr>
           </a:p>
           <a:p>
@@ -11905,8 +11980,8 @@
                 <a:solidFill>
                   <a:srgbClr val="C00000"/>
                 </a:solidFill>
-                <a:latin typeface="Courier New Regular" panose="02070309020205020404" charset="0"/>
-                <a:cs typeface="Courier New Regular" panose="02070309020205020404" charset="0"/>
+                <a:latin typeface="Consolas" panose="020B0609020204030204" charset="0"/>
+                <a:cs typeface="Consolas" panose="020B0609020204030204" charset="0"/>
               </a:rPr>
               <a:t>        printf("堆栈满");</a:t>
             </a:r>
@@ -11914,8 +11989,8 @@
               <a:solidFill>
                 <a:srgbClr val="C00000"/>
               </a:solidFill>
-              <a:latin typeface="Courier New Regular" panose="02070309020205020404" charset="0"/>
-              <a:cs typeface="Courier New Regular" panose="02070309020205020404" charset="0"/>
+              <a:latin typeface="Consolas" panose="020B0609020204030204" charset="0"/>
+              <a:cs typeface="Consolas" panose="020B0609020204030204" charset="0"/>
             </a:endParaRPr>
           </a:p>
           <a:p>
@@ -11925,8 +12000,8 @@
                 <a:solidFill>
                   <a:srgbClr val="C00000"/>
                 </a:solidFill>
-                <a:latin typeface="Courier New Regular" panose="02070309020205020404" charset="0"/>
-                <a:cs typeface="Courier New Regular" panose="02070309020205020404" charset="0"/>
+                <a:latin typeface="Consolas" panose="020B0609020204030204" charset="0"/>
+                <a:cs typeface="Consolas" panose="020B0609020204030204" charset="0"/>
               </a:rPr>
               <a:t>        return false;</a:t>
             </a:r>
@@ -11934,8 +12009,8 @@
               <a:solidFill>
                 <a:srgbClr val="C00000"/>
               </a:solidFill>
-              <a:latin typeface="Courier New Regular" panose="02070309020205020404" charset="0"/>
-              <a:cs typeface="Courier New Regular" panose="02070309020205020404" charset="0"/>
+              <a:latin typeface="Consolas" panose="020B0609020204030204" charset="0"/>
+              <a:cs typeface="Consolas" panose="020B0609020204030204" charset="0"/>
             </a:endParaRPr>
           </a:p>
           <a:p>
@@ -11945,8 +12020,8 @@
                 <a:solidFill>
                   <a:srgbClr val="C00000"/>
                 </a:solidFill>
-                <a:latin typeface="Courier New Regular" panose="02070309020205020404" charset="0"/>
-                <a:cs typeface="Courier New Regular" panose="02070309020205020404" charset="0"/>
+                <a:latin typeface="Consolas" panose="020B0609020204030204" charset="0"/>
+                <a:cs typeface="Consolas" panose="020B0609020204030204" charset="0"/>
               </a:rPr>
               <a:t>    } else {</a:t>
             </a:r>
@@ -11954,8 +12029,8 @@
               <a:solidFill>
                 <a:srgbClr val="C00000"/>
               </a:solidFill>
-              <a:latin typeface="Courier New Regular" panose="02070309020205020404" charset="0"/>
-              <a:cs typeface="Courier New Regular" panose="02070309020205020404" charset="0"/>
+              <a:latin typeface="Consolas" panose="020B0609020204030204" charset="0"/>
+              <a:cs typeface="Consolas" panose="020B0609020204030204" charset="0"/>
             </a:endParaRPr>
           </a:p>
           <a:p>
@@ -11965,8 +12040,8 @@
                 <a:solidFill>
                   <a:srgbClr val="C00000"/>
                 </a:solidFill>
-                <a:latin typeface="Courier New Regular" panose="02070309020205020404" charset="0"/>
-                <a:cs typeface="Courier New Regular" panose="02070309020205020404" charset="0"/>
+                <a:latin typeface="Consolas" panose="020B0609020204030204" charset="0"/>
+                <a:cs typeface="Consolas" panose="020B0609020204030204" charset="0"/>
               </a:rPr>
               <a:t>        s-&gt;data[++(s-&gt;top)] = x;</a:t>
             </a:r>
@@ -11974,8 +12049,8 @@
               <a:solidFill>
                 <a:srgbClr val="C00000"/>
               </a:solidFill>
-              <a:latin typeface="Courier New Regular" panose="02070309020205020404" charset="0"/>
-              <a:cs typeface="Courier New Regular" panose="02070309020205020404" charset="0"/>
+              <a:latin typeface="Consolas" panose="020B0609020204030204" charset="0"/>
+              <a:cs typeface="Consolas" panose="020B0609020204030204" charset="0"/>
             </a:endParaRPr>
           </a:p>
           <a:p>
@@ -11985,8 +12060,8 @@
                 <a:solidFill>
                   <a:srgbClr val="C00000"/>
                 </a:solidFill>
-                <a:latin typeface="Courier New Regular" panose="02070309020205020404" charset="0"/>
-                <a:cs typeface="Courier New Regular" panose="02070309020205020404" charset="0"/>
+                <a:latin typeface="Consolas" panose="020B0609020204030204" charset="0"/>
+                <a:cs typeface="Consolas" panose="020B0609020204030204" charset="0"/>
               </a:rPr>
               <a:t>        return true;</a:t>
             </a:r>
@@ -11994,8 +12069,8 @@
               <a:solidFill>
                 <a:srgbClr val="C00000"/>
               </a:solidFill>
-              <a:latin typeface="Courier New Regular" panose="02070309020205020404" charset="0"/>
-              <a:cs typeface="Courier New Regular" panose="02070309020205020404" charset="0"/>
+              <a:latin typeface="Consolas" panose="020B0609020204030204" charset="0"/>
+              <a:cs typeface="Consolas" panose="020B0609020204030204" charset="0"/>
             </a:endParaRPr>
           </a:p>
           <a:p>
@@ -12005,8 +12080,8 @@
                 <a:solidFill>
                   <a:srgbClr val="C00000"/>
                 </a:solidFill>
-                <a:latin typeface="Courier New Regular" panose="02070309020205020404" charset="0"/>
-                <a:cs typeface="Courier New Regular" panose="02070309020205020404" charset="0"/>
+                <a:latin typeface="Consolas" panose="020B0609020204030204" charset="0"/>
+                <a:cs typeface="Consolas" panose="020B0609020204030204" charset="0"/>
               </a:rPr>
               <a:t>    }</a:t>
             </a:r>
@@ -12014,8 +12089,8 @@
               <a:solidFill>
                 <a:srgbClr val="C00000"/>
               </a:solidFill>
-              <a:latin typeface="Courier New Regular" panose="02070309020205020404" charset="0"/>
-              <a:cs typeface="Courier New Regular" panose="02070309020205020404" charset="0"/>
+              <a:latin typeface="Consolas" panose="020B0609020204030204" charset="0"/>
+              <a:cs typeface="Consolas" panose="020B0609020204030204" charset="0"/>
             </a:endParaRPr>
           </a:p>
           <a:p>
@@ -12025,8 +12100,8 @@
                 <a:solidFill>
                   <a:srgbClr val="C00000"/>
                 </a:solidFill>
-                <a:latin typeface="Courier New Regular" panose="02070309020205020404" charset="0"/>
-                <a:cs typeface="Courier New Regular" panose="02070309020205020404" charset="0"/>
+                <a:latin typeface="Consolas" panose="020B0609020204030204" charset="0"/>
+                <a:cs typeface="Consolas" panose="020B0609020204030204" charset="0"/>
               </a:rPr>
               <a:t>}</a:t>
             </a:r>
@@ -12034,8 +12109,8 @@
               <a:solidFill>
                 <a:srgbClr val="C00000"/>
               </a:solidFill>
-              <a:latin typeface="Courier New Regular" panose="02070309020205020404" charset="0"/>
-              <a:cs typeface="Courier New Regular" panose="02070309020205020404" charset="0"/>
+              <a:latin typeface="Consolas" panose="020B0609020204030204" charset="0"/>
+              <a:cs typeface="Consolas" panose="020B0609020204030204" charset="0"/>
             </a:endParaRPr>
           </a:p>
         </p:txBody>
@@ -12067,8 +12142,8 @@
                 <a:solidFill>
                   <a:srgbClr val="0070C0"/>
                 </a:solidFill>
-                <a:latin typeface="Courier New Regular" panose="02070309020205020404" charset="0"/>
-                <a:cs typeface="Courier New Regular" panose="02070309020205020404" charset="0"/>
+                <a:latin typeface="Consolas" panose="020B0609020204030204" charset="0"/>
+                <a:cs typeface="Consolas" panose="020B0609020204030204" charset="0"/>
               </a:rPr>
               <a:t>int pop(struct Stack *s) {</a:t>
             </a:r>
@@ -12076,8 +12151,8 @@
               <a:solidFill>
                 <a:srgbClr val="0070C0"/>
               </a:solidFill>
-              <a:latin typeface="Courier New Regular" panose="02070309020205020404" charset="0"/>
-              <a:cs typeface="Courier New Regular" panose="02070309020205020404" charset="0"/>
+              <a:latin typeface="Consolas" panose="020B0609020204030204" charset="0"/>
+              <a:cs typeface="Consolas" panose="020B0609020204030204" charset="0"/>
             </a:endParaRPr>
           </a:p>
           <a:p>
@@ -12087,8 +12162,8 @@
                 <a:solidFill>
                   <a:srgbClr val="0070C0"/>
                 </a:solidFill>
-                <a:latin typeface="Courier New Regular" panose="02070309020205020404" charset="0"/>
-                <a:cs typeface="Courier New Regular" panose="02070309020205020404" charset="0"/>
+                <a:latin typeface="Consolas" panose="020B0609020204030204" charset="0"/>
+                <a:cs typeface="Consolas" panose="020B0609020204030204" charset="0"/>
               </a:rPr>
               <a:t>    if (isEmpty(s)) {</a:t>
             </a:r>
@@ -12096,8 +12171,8 @@
               <a:solidFill>
                 <a:srgbClr val="0070C0"/>
               </a:solidFill>
-              <a:latin typeface="Courier New Regular" panose="02070309020205020404" charset="0"/>
-              <a:cs typeface="Courier New Regular" panose="02070309020205020404" charset="0"/>
+              <a:latin typeface="Consolas" panose="020B0609020204030204" charset="0"/>
+              <a:cs typeface="Consolas" panose="020B0609020204030204" charset="0"/>
             </a:endParaRPr>
           </a:p>
           <a:p>
@@ -12107,8 +12182,8 @@
                 <a:solidFill>
                   <a:srgbClr val="0070C0"/>
                 </a:solidFill>
-                <a:latin typeface="Courier New Regular" panose="02070309020205020404" charset="0"/>
-                <a:cs typeface="Courier New Regular" panose="02070309020205020404" charset="0"/>
+                <a:latin typeface="Consolas" panose="020B0609020204030204" charset="0"/>
+                <a:cs typeface="Consolas" panose="020B0609020204030204" charset="0"/>
               </a:rPr>
               <a:t>        printf("堆栈空");</a:t>
             </a:r>
@@ -12116,8 +12191,8 @@
               <a:solidFill>
                 <a:srgbClr val="0070C0"/>
               </a:solidFill>
-              <a:latin typeface="Courier New Regular" panose="02070309020205020404" charset="0"/>
-              <a:cs typeface="Courier New Regular" panose="02070309020205020404" charset="0"/>
+              <a:latin typeface="Consolas" panose="020B0609020204030204" charset="0"/>
+              <a:cs typeface="Consolas" panose="020B0609020204030204" charset="0"/>
             </a:endParaRPr>
           </a:p>
           <a:p>
@@ -12127,8 +12202,8 @@
                 <a:solidFill>
                   <a:srgbClr val="0070C0"/>
                 </a:solidFill>
-                <a:latin typeface="Courier New Regular" panose="02070309020205020404" charset="0"/>
-                <a:cs typeface="Courier New Regular" panose="02070309020205020404" charset="0"/>
+                <a:latin typeface="Consolas" panose="020B0609020204030204" charset="0"/>
+                <a:cs typeface="Consolas" panose="020B0609020204030204" charset="0"/>
               </a:rPr>
               <a:t>        return ERROR; /* ERROR是int的特殊值，标志错误 */</a:t>
             </a:r>
@@ -12136,8 +12211,8 @@
               <a:solidFill>
                 <a:srgbClr val="0070C0"/>
               </a:solidFill>
-              <a:latin typeface="Courier New Regular" panose="02070309020205020404" charset="0"/>
-              <a:cs typeface="Courier New Regular" panose="02070309020205020404" charset="0"/>
+              <a:latin typeface="Consolas" panose="020B0609020204030204" charset="0"/>
+              <a:cs typeface="Consolas" panose="020B0609020204030204" charset="0"/>
             </a:endParaRPr>
           </a:p>
           <a:p>
@@ -12147,8 +12222,8 @@
                 <a:solidFill>
                   <a:srgbClr val="0070C0"/>
                 </a:solidFill>
-                <a:latin typeface="Courier New Regular" panose="02070309020205020404" charset="0"/>
-                <a:cs typeface="Courier New Regular" panose="02070309020205020404" charset="0"/>
+                <a:latin typeface="Consolas" panose="020B0609020204030204" charset="0"/>
+                <a:cs typeface="Consolas" panose="020B0609020204030204" charset="0"/>
               </a:rPr>
               <a:t>    } else</a:t>
             </a:r>
@@ -12156,8 +12231,8 @@
               <a:solidFill>
                 <a:srgbClr val="0070C0"/>
               </a:solidFill>
-              <a:latin typeface="Courier New Regular" panose="02070309020205020404" charset="0"/>
-              <a:cs typeface="Courier New Regular" panose="02070309020205020404" charset="0"/>
+              <a:latin typeface="Consolas" panose="020B0609020204030204" charset="0"/>
+              <a:cs typeface="Consolas" panose="020B0609020204030204" charset="0"/>
             </a:endParaRPr>
           </a:p>
           <a:p>
@@ -12167,17 +12242,17 @@
                 <a:solidFill>
                   <a:srgbClr val="0070C0"/>
                 </a:solidFill>
-                <a:latin typeface="Courier New Regular" panose="02070309020205020404" charset="0"/>
-                <a:cs typeface="Courier New Regular" panose="02070309020205020404" charset="0"/>
-              </a:rPr>
-              <a:t>        return (s-&gt;data[(s-&gt;top)--]);</a:t>
+                <a:latin typeface="Consolas" panose="020B0609020204030204" charset="0"/>
+                <a:cs typeface="Consolas" panose="020B0609020204030204" charset="0"/>
+              </a:rPr>
+              <a:t>        return s-&gt;data[(s-&gt;top)--];</a:t>
             </a:r>
             <a:endParaRPr lang="zh-CN" altLang="en-US" b="1">
               <a:solidFill>
                 <a:srgbClr val="0070C0"/>
               </a:solidFill>
-              <a:latin typeface="Courier New Regular" panose="02070309020205020404" charset="0"/>
-              <a:cs typeface="Courier New Regular" panose="02070309020205020404" charset="0"/>
+              <a:latin typeface="Consolas" panose="020B0609020204030204" charset="0"/>
+              <a:cs typeface="Consolas" panose="020B0609020204030204" charset="0"/>
             </a:endParaRPr>
           </a:p>
           <a:p>
@@ -12187,8 +12262,8 @@
                 <a:solidFill>
                   <a:srgbClr val="0070C0"/>
                 </a:solidFill>
-                <a:latin typeface="Courier New Regular" panose="02070309020205020404" charset="0"/>
-                <a:cs typeface="Courier New Regular" panose="02070309020205020404" charset="0"/>
+                <a:latin typeface="Consolas" panose="020B0609020204030204" charset="0"/>
+                <a:cs typeface="Consolas" panose="020B0609020204030204" charset="0"/>
               </a:rPr>
               <a:t>}</a:t>
             </a:r>
@@ -12196,8 +12271,8 @@
               <a:solidFill>
                 <a:srgbClr val="0070C0"/>
               </a:solidFill>
-              <a:latin typeface="Courier New Regular" panose="02070309020205020404" charset="0"/>
-              <a:cs typeface="Courier New Regular" panose="02070309020205020404" charset="0"/>
+              <a:latin typeface="Consolas" panose="020B0609020204030204" charset="0"/>
+              <a:cs typeface="Consolas" panose="020B0609020204030204" charset="0"/>
             </a:endParaRPr>
           </a:p>
         </p:txBody>
@@ -12264,21 +12339,36 @@
           <a:bodyPr/>
           <a:p>
             <a:r>
-              <a:rPr lang="zh-CN" altLang="en-US"/>
+              <a:rPr lang="zh-CN" altLang="en-US">
+                <a:latin typeface="Consolas" panose="020B0609020204030204" charset="0"/>
+                <a:cs typeface="Consolas" panose="020B0609020204030204" charset="0"/>
+              </a:rPr>
               <a:t>请用一个数组实现两个堆栈，要求最大地利用数组空间，使数组只要有空间入栈操作就可以成功。写出相应的入栈和出栈操作函数</a:t>
             </a:r>
-            <a:endParaRPr lang="zh-CN" altLang="en-US"/>
-          </a:p>
-          <a:p>
-            <a:r>
-              <a:rPr lang="zh-CN" altLang="en-US"/>
+            <a:endParaRPr lang="zh-CN" altLang="en-US">
+              <a:latin typeface="Consolas" panose="020B0609020204030204" charset="0"/>
+              <a:cs typeface="Consolas" panose="020B0609020204030204" charset="0"/>
+            </a:endParaRPr>
+          </a:p>
+          <a:p>
+            <a:r>
+              <a:rPr lang="zh-CN" altLang="en-US">
+                <a:latin typeface="Consolas" panose="020B0609020204030204" charset="0"/>
+                <a:cs typeface="Consolas" panose="020B0609020204030204" charset="0"/>
+              </a:rPr>
               <a:t>做出的</a:t>
             </a:r>
             <a:r>
-              <a:rPr lang="zh-CN" altLang="en-US"/>
+              <a:rPr lang="zh-CN" altLang="en-US">
+                <a:latin typeface="Consolas" panose="020B0609020204030204" charset="0"/>
+                <a:cs typeface="Consolas" panose="020B0609020204030204" charset="0"/>
+              </a:rPr>
               <a:t>修改：</a:t>
             </a:r>
-            <a:endParaRPr lang="zh-CN" altLang="en-US"/>
+            <a:endParaRPr lang="zh-CN" altLang="en-US">
+              <a:latin typeface="Consolas" panose="020B0609020204030204" charset="0"/>
+              <a:cs typeface="Consolas" panose="020B0609020204030204" charset="0"/>
+            </a:endParaRPr>
           </a:p>
           <a:p>
             <a:pPr marL="914400" lvl="1" indent="-457200">
@@ -12286,16 +12376,24 @@
               <a:buAutoNum type="arabicPeriod"/>
             </a:pPr>
             <a:r>
-              <a:rPr lang="zh-CN" altLang="en-US"/>
+              <a:rPr lang="zh-CN" altLang="en-US">
+                <a:latin typeface="Consolas" panose="020B0609020204030204" charset="0"/>
+                <a:cs typeface="Consolas" panose="020B0609020204030204" charset="0"/>
+              </a:rPr>
               <a:t>结构体：</a:t>
             </a:r>
             <a:r>
               <a:rPr lang="en-US" altLang="zh-CN">
+                <a:latin typeface="Consolas" panose="020B0609020204030204" charset="0"/>
+                <a:cs typeface="Consolas" panose="020B0609020204030204" charset="0"/>
                 <a:sym typeface="+mn-ea"/>
               </a:rPr>
               <a:t>int top1, top2;</a:t>
             </a:r>
-            <a:endParaRPr lang="en-US" altLang="zh-CN"/>
+            <a:endParaRPr lang="en-US" altLang="zh-CN">
+              <a:latin typeface="Consolas" panose="020B0609020204030204" charset="0"/>
+              <a:cs typeface="Consolas" panose="020B0609020204030204" charset="0"/>
+            </a:endParaRPr>
           </a:p>
           <a:p>
             <a:pPr marL="914400" lvl="1" indent="-457200">
@@ -12303,42 +12401,72 @@
               <a:buAutoNum type="arabicPeriod"/>
             </a:pPr>
             <a:r>
-              <a:rPr lang="zh-CN" altLang="en-US"/>
+              <a:rPr lang="zh-CN" altLang="en-US">
+                <a:latin typeface="Consolas" panose="020B0609020204030204" charset="0"/>
+                <a:cs typeface="Consolas" panose="020B0609020204030204" charset="0"/>
+              </a:rPr>
               <a:t>初始化：</a:t>
             </a:r>
             <a:r>
-              <a:rPr lang="en-US" altLang="zh-CN"/>
+              <a:rPr lang="en-US" altLang="zh-CN">
+                <a:latin typeface="Consolas" panose="020B0609020204030204" charset="0"/>
+                <a:cs typeface="Consolas" panose="020B0609020204030204" charset="0"/>
+              </a:rPr>
               <a:t>s</a:t>
             </a:r>
             <a:r>
-              <a:rPr lang="zh-CN" altLang="en-US"/>
+              <a:rPr lang="zh-CN" altLang="en-US">
+                <a:latin typeface="Consolas" panose="020B0609020204030204" charset="0"/>
+                <a:cs typeface="Consolas" panose="020B0609020204030204" charset="0"/>
+              </a:rPr>
               <a:t>-&gt;</a:t>
             </a:r>
             <a:r>
-              <a:rPr lang="en-US" altLang="zh-CN"/>
+              <a:rPr lang="en-US" altLang="zh-CN">
+                <a:latin typeface="Consolas" panose="020B0609020204030204" charset="0"/>
+                <a:cs typeface="Consolas" panose="020B0609020204030204" charset="0"/>
+              </a:rPr>
               <a:t>t</a:t>
             </a:r>
             <a:r>
-              <a:rPr lang="zh-CN" altLang="en-US"/>
+              <a:rPr lang="zh-CN" altLang="en-US">
+                <a:latin typeface="Consolas" panose="020B0609020204030204" charset="0"/>
+                <a:cs typeface="Consolas" panose="020B0609020204030204" charset="0"/>
+              </a:rPr>
               <a:t>op1 =  -1; </a:t>
             </a:r>
             <a:r>
-              <a:rPr lang="en-US" altLang="zh-CN"/>
+              <a:rPr lang="en-US" altLang="zh-CN">
+                <a:latin typeface="Consolas" panose="020B0609020204030204" charset="0"/>
+                <a:cs typeface="Consolas" panose="020B0609020204030204" charset="0"/>
+              </a:rPr>
               <a:t>s</a:t>
             </a:r>
             <a:r>
-              <a:rPr lang="zh-CN" altLang="en-US"/>
+              <a:rPr lang="zh-CN" altLang="en-US">
+                <a:latin typeface="Consolas" panose="020B0609020204030204" charset="0"/>
+                <a:cs typeface="Consolas" panose="020B0609020204030204" charset="0"/>
+              </a:rPr>
               <a:t>-&gt;</a:t>
             </a:r>
             <a:r>
-              <a:rPr lang="en-US" altLang="zh-CN"/>
+              <a:rPr lang="en-US" altLang="zh-CN">
+                <a:latin typeface="Consolas" panose="020B0609020204030204" charset="0"/>
+                <a:cs typeface="Consolas" panose="020B0609020204030204" charset="0"/>
+              </a:rPr>
               <a:t>t</a:t>
             </a:r>
             <a:r>
-              <a:rPr lang="zh-CN" altLang="en-US"/>
+              <a:rPr lang="zh-CN" altLang="en-US">
+                <a:latin typeface="Consolas" panose="020B0609020204030204" charset="0"/>
+                <a:cs typeface="Consolas" panose="020B0609020204030204" charset="0"/>
+              </a:rPr>
               <a:t>op2 = MaxSize;</a:t>
             </a:r>
-            <a:endParaRPr lang="zh-CN" altLang="en-US"/>
+            <a:endParaRPr lang="zh-CN" altLang="en-US">
+              <a:latin typeface="Consolas" panose="020B0609020204030204" charset="0"/>
+              <a:cs typeface="Consolas" panose="020B0609020204030204" charset="0"/>
+            </a:endParaRPr>
           </a:p>
           <a:p>
             <a:pPr marL="914400" lvl="1" indent="-457200">
@@ -12346,14 +12474,23 @@
               <a:buAutoNum type="arabicPeriod"/>
             </a:pPr>
             <a:r>
-              <a:rPr lang="zh-CN" altLang="en-US"/>
+              <a:rPr lang="zh-CN" altLang="en-US">
+                <a:latin typeface="Consolas" panose="020B0609020204030204" charset="0"/>
+                <a:cs typeface="Consolas" panose="020B0609020204030204" charset="0"/>
+              </a:rPr>
               <a:t>堆栈满：</a:t>
             </a:r>
             <a:r>
-              <a:rPr lang="en-US" altLang="zh-CN"/>
+              <a:rPr lang="en-US" altLang="zh-CN">
+                <a:latin typeface="Consolas" panose="020B0609020204030204" charset="0"/>
+                <a:cs typeface="Consolas" panose="020B0609020204030204" charset="0"/>
+              </a:rPr>
               <a:t>s-&gt;top2 - s-&gt;top2 == 1</a:t>
             </a:r>
-            <a:endParaRPr lang="en-US" altLang="zh-CN"/>
+            <a:endParaRPr lang="en-US" altLang="zh-CN">
+              <a:latin typeface="Consolas" panose="020B0609020204030204" charset="0"/>
+              <a:cs typeface="Consolas" panose="020B0609020204030204" charset="0"/>
+            </a:endParaRPr>
           </a:p>
         </p:txBody>
       </p:sp>
